--- a/lectures/13/lecture13.pptx
+++ b/lectures/13/lecture13.pptx
@@ -7490,7 +7490,7 @@
                 <a:spcPct val="100000"/>
               </a:lnSpc>
             </a:pPr>
-            <a:fld id="{7578F93B-D650-4B53-983E-6B43A89CB7B3}" type="slidenum">
+            <a:fld id="{7ACB9070-90F0-405F-A02B-811BB61E54E9}" type="slidenum">
               <a:rPr b="0" lang="en-US" sz="1000" spc="-1" strike="noStrike">
                 <a:solidFill>
                   <a:srgbClr val="595959"/>
@@ -8204,7 +8204,7 @@
                 <a:spcPct val="100000"/>
               </a:lnSpc>
             </a:pPr>
-            <a:fld id="{79E432A5-038C-4135-A950-C119E309797F}" type="slidenum">
+            <a:fld id="{B354815E-5CF6-47E8-922C-C7D38DE55215}" type="slidenum">
               <a:rPr b="0" lang="en-US" sz="1000" spc="-1" strike="noStrike">
                 <a:solidFill>
                   <a:srgbClr val="595959"/>
@@ -8354,7 +8354,7 @@
                 <a:spcPct val="100000"/>
               </a:lnSpc>
             </a:pPr>
-            <a:fld id="{1743F2B8-BFE6-47F8-914D-8E77968A728B}" type="slidenum">
+            <a:fld id="{C2A00500-A291-4DF0-A621-827F3A7CA601}" type="slidenum">
               <a:rPr b="0" lang="en-US" sz="1000" spc="-1" strike="noStrike">
                 <a:solidFill>
                   <a:srgbClr val="595959"/>
@@ -8722,7 +8722,7 @@
                 <a:spcPct val="100000"/>
               </a:lnSpc>
             </a:pPr>
-            <a:fld id="{FC1A9C73-9083-49CB-83C4-B780D3F700D2}" type="slidenum">
+            <a:fld id="{33B59573-0F25-4AD9-9756-21AEF6820E4D}" type="slidenum">
               <a:rPr b="0" lang="en-US" sz="1000" spc="-1" strike="noStrike">
                 <a:solidFill>
                   <a:srgbClr val="595959"/>
@@ -9190,7 +9190,7 @@
                 <a:spcPct val="100000"/>
               </a:lnSpc>
             </a:pPr>
-            <a:fld id="{44A5CA97-0C3B-4D35-BB8E-77B2BB72FB19}" type="slidenum">
+            <a:fld id="{D1196983-3C29-4799-B5C6-51B125A8AE19}" type="slidenum">
               <a:rPr b="0" lang="en-US" sz="1000" spc="-1" strike="noStrike">
                 <a:solidFill>
                   <a:srgbClr val="595959"/>
@@ -9768,33 +9768,6 @@
       </p:sp>
     </p:spTree>
   </p:cSld>
-  <p:timing>
-    <p:tnLst>
-      <p:par>
-        <p:cTn id="1" dur="indefinite" restart="never" nodeType="tmRoot">
-          <p:childTnLst>
-            <p:seq>
-              <p:cTn id="2" nodeType="mainSeq"/>
-              <p:prevCondLst>
-                <p:cond delay="0" evt="onPrev">
-                  <p:tgtEl>
-                    <p:sldTgt/>
-                  </p:tgtEl>
-                </p:cond>
-              </p:prevCondLst>
-              <p:nextCondLst>
-                <p:cond delay="0" evt="onNext">
-                  <p:tgtEl>
-                    <p:sldTgt/>
-                  </p:tgtEl>
-                </p:cond>
-              </p:nextCondLst>
-            </p:seq>
-          </p:childTnLst>
-        </p:cTn>
-      </p:par>
-    </p:tnLst>
-  </p:timing>
 </p:sld>
 </file>
 
@@ -10697,33 +10670,6 @@
       </p:sp>
     </p:spTree>
   </p:cSld>
-  <p:timing>
-    <p:tnLst>
-      <p:par>
-        <p:cTn id="19" dur="indefinite" restart="never" nodeType="tmRoot">
-          <p:childTnLst>
-            <p:seq>
-              <p:cTn id="20" nodeType="mainSeq"/>
-              <p:prevCondLst>
-                <p:cond delay="0" evt="onPrev">
-                  <p:tgtEl>
-                    <p:sldTgt/>
-                  </p:tgtEl>
-                </p:cond>
-              </p:prevCondLst>
-              <p:nextCondLst>
-                <p:cond delay="0" evt="onNext">
-                  <p:tgtEl>
-                    <p:sldTgt/>
-                  </p:tgtEl>
-                </p:cond>
-              </p:nextCondLst>
-            </p:seq>
-          </p:childTnLst>
-        </p:cTn>
-      </p:par>
-    </p:tnLst>
-  </p:timing>
 </p:sld>
 </file>
 
@@ -11155,33 +11101,6 @@
       </p:sp>
     </p:spTree>
   </p:cSld>
-  <p:timing>
-    <p:tnLst>
-      <p:par>
-        <p:cTn id="21" dur="indefinite" restart="never" nodeType="tmRoot">
-          <p:childTnLst>
-            <p:seq>
-              <p:cTn id="22" nodeType="mainSeq"/>
-              <p:prevCondLst>
-                <p:cond delay="0" evt="onPrev">
-                  <p:tgtEl>
-                    <p:sldTgt/>
-                  </p:tgtEl>
-                </p:cond>
-              </p:prevCondLst>
-              <p:nextCondLst>
-                <p:cond delay="0" evt="onNext">
-                  <p:tgtEl>
-                    <p:sldTgt/>
-                  </p:tgtEl>
-                </p:cond>
-              </p:nextCondLst>
-            </p:seq>
-          </p:childTnLst>
-        </p:cTn>
-      </p:par>
-    </p:tnLst>
-  </p:timing>
 </p:sld>
 </file>
 
@@ -11433,33 +11352,6 @@
       </p:sp>
     </p:spTree>
   </p:cSld>
-  <p:timing>
-    <p:tnLst>
-      <p:par>
-        <p:cTn id="23" dur="indefinite" restart="never" nodeType="tmRoot">
-          <p:childTnLst>
-            <p:seq>
-              <p:cTn id="24" nodeType="mainSeq"/>
-              <p:prevCondLst>
-                <p:cond delay="0" evt="onPrev">
-                  <p:tgtEl>
-                    <p:sldTgt/>
-                  </p:tgtEl>
-                </p:cond>
-              </p:prevCondLst>
-              <p:nextCondLst>
-                <p:cond delay="0" evt="onNext">
-                  <p:tgtEl>
-                    <p:sldTgt/>
-                  </p:tgtEl>
-                </p:cond>
-              </p:nextCondLst>
-            </p:seq>
-          </p:childTnLst>
-        </p:cTn>
-      </p:par>
-    </p:tnLst>
-  </p:timing>
 </p:sld>
 </file>
 
@@ -11827,33 +11719,6 @@
       </p:sp>
     </p:spTree>
   </p:cSld>
-  <p:timing>
-    <p:tnLst>
-      <p:par>
-        <p:cTn id="25" dur="indefinite" restart="never" nodeType="tmRoot">
-          <p:childTnLst>
-            <p:seq>
-              <p:cTn id="26" nodeType="mainSeq"/>
-              <p:prevCondLst>
-                <p:cond delay="0" evt="onPrev">
-                  <p:tgtEl>
-                    <p:sldTgt/>
-                  </p:tgtEl>
-                </p:cond>
-              </p:prevCondLst>
-              <p:nextCondLst>
-                <p:cond delay="0" evt="onNext">
-                  <p:tgtEl>
-                    <p:sldTgt/>
-                  </p:tgtEl>
-                </p:cond>
-              </p:nextCondLst>
-            </p:seq>
-          </p:childTnLst>
-        </p:cTn>
-      </p:par>
-    </p:tnLst>
-  </p:timing>
 </p:sld>
 </file>
 
@@ -12193,33 +12058,6 @@
       </p:sp>
     </p:spTree>
   </p:cSld>
-  <p:timing>
-    <p:tnLst>
-      <p:par>
-        <p:cTn id="27" dur="indefinite" restart="never" nodeType="tmRoot">
-          <p:childTnLst>
-            <p:seq>
-              <p:cTn id="28" nodeType="mainSeq"/>
-              <p:prevCondLst>
-                <p:cond delay="0" evt="onPrev">
-                  <p:tgtEl>
-                    <p:sldTgt/>
-                  </p:tgtEl>
-                </p:cond>
-              </p:prevCondLst>
-              <p:nextCondLst>
-                <p:cond delay="0" evt="onNext">
-                  <p:tgtEl>
-                    <p:sldTgt/>
-                  </p:tgtEl>
-                </p:cond>
-              </p:nextCondLst>
-            </p:seq>
-          </p:childTnLst>
-        </p:cTn>
-      </p:par>
-    </p:tnLst>
-  </p:timing>
 </p:sld>
 </file>
 
@@ -12615,33 +12453,6 @@
       </p:sp>
     </p:spTree>
   </p:cSld>
-  <p:timing>
-    <p:tnLst>
-      <p:par>
-        <p:cTn id="29" dur="indefinite" restart="never" nodeType="tmRoot">
-          <p:childTnLst>
-            <p:seq>
-              <p:cTn id="30" nodeType="mainSeq"/>
-              <p:prevCondLst>
-                <p:cond delay="0" evt="onPrev">
-                  <p:tgtEl>
-                    <p:sldTgt/>
-                  </p:tgtEl>
-                </p:cond>
-              </p:prevCondLst>
-              <p:nextCondLst>
-                <p:cond delay="0" evt="onNext">
-                  <p:tgtEl>
-                    <p:sldTgt/>
-                  </p:tgtEl>
-                </p:cond>
-              </p:nextCondLst>
-            </p:seq>
-          </p:childTnLst>
-        </p:cTn>
-      </p:par>
-    </p:tnLst>
-  </p:timing>
 </p:sld>
 </file>
 
@@ -12830,33 +12641,6 @@
       </p:pic>
     </p:spTree>
   </p:cSld>
-  <p:timing>
-    <p:tnLst>
-      <p:par>
-        <p:cTn id="31" dur="indefinite" restart="never" nodeType="tmRoot">
-          <p:childTnLst>
-            <p:seq>
-              <p:cTn id="32" nodeType="mainSeq"/>
-              <p:prevCondLst>
-                <p:cond delay="0" evt="onPrev">
-                  <p:tgtEl>
-                    <p:sldTgt/>
-                  </p:tgtEl>
-                </p:cond>
-              </p:prevCondLst>
-              <p:nextCondLst>
-                <p:cond delay="0" evt="onNext">
-                  <p:tgtEl>
-                    <p:sldTgt/>
-                  </p:tgtEl>
-                </p:cond>
-              </p:nextCondLst>
-            </p:seq>
-          </p:childTnLst>
-        </p:cTn>
-      </p:par>
-    </p:tnLst>
-  </p:timing>
 </p:sld>
 </file>
 
@@ -13085,33 +12869,6 @@
       </p:sp>
     </p:spTree>
   </p:cSld>
-  <p:timing>
-    <p:tnLst>
-      <p:par>
-        <p:cTn id="33" dur="indefinite" restart="never" nodeType="tmRoot">
-          <p:childTnLst>
-            <p:seq>
-              <p:cTn id="34" nodeType="mainSeq"/>
-              <p:prevCondLst>
-                <p:cond delay="0" evt="onPrev">
-                  <p:tgtEl>
-                    <p:sldTgt/>
-                  </p:tgtEl>
-                </p:cond>
-              </p:prevCondLst>
-              <p:nextCondLst>
-                <p:cond delay="0" evt="onNext">
-                  <p:tgtEl>
-                    <p:sldTgt/>
-                  </p:tgtEl>
-                </p:cond>
-              </p:nextCondLst>
-            </p:seq>
-          </p:childTnLst>
-        </p:cTn>
-      </p:par>
-    </p:tnLst>
-  </p:timing>
 </p:sld>
 </file>
 
@@ -13429,33 +13186,6 @@
       </p:sp>
     </p:spTree>
   </p:cSld>
-  <p:timing>
-    <p:tnLst>
-      <p:par>
-        <p:cTn id="35" dur="indefinite" restart="never" nodeType="tmRoot">
-          <p:childTnLst>
-            <p:seq>
-              <p:cTn id="36" nodeType="mainSeq"/>
-              <p:prevCondLst>
-                <p:cond delay="0" evt="onPrev">
-                  <p:tgtEl>
-                    <p:sldTgt/>
-                  </p:tgtEl>
-                </p:cond>
-              </p:prevCondLst>
-              <p:nextCondLst>
-                <p:cond delay="0" evt="onNext">
-                  <p:tgtEl>
-                    <p:sldTgt/>
-                  </p:tgtEl>
-                </p:cond>
-              </p:nextCondLst>
-            </p:seq>
-          </p:childTnLst>
-        </p:cTn>
-      </p:par>
-    </p:tnLst>
-  </p:timing>
 </p:sld>
 </file>
 
@@ -13854,33 +13584,6 @@
       </p:sp>
     </p:spTree>
   </p:cSld>
-  <p:timing>
-    <p:tnLst>
-      <p:par>
-        <p:cTn id="37" dur="indefinite" restart="never" nodeType="tmRoot">
-          <p:childTnLst>
-            <p:seq>
-              <p:cTn id="38" nodeType="mainSeq"/>
-              <p:prevCondLst>
-                <p:cond delay="0" evt="onPrev">
-                  <p:tgtEl>
-                    <p:sldTgt/>
-                  </p:tgtEl>
-                </p:cond>
-              </p:prevCondLst>
-              <p:nextCondLst>
-                <p:cond delay="0" evt="onNext">
-                  <p:tgtEl>
-                    <p:sldTgt/>
-                  </p:tgtEl>
-                </p:cond>
-              </p:nextCondLst>
-            </p:seq>
-          </p:childTnLst>
-        </p:cTn>
-      </p:par>
-    </p:tnLst>
-  </p:timing>
 </p:sld>
 </file>
 
@@ -14369,33 +14072,6 @@
       </p:sp>
     </p:spTree>
   </p:cSld>
-  <p:timing>
-    <p:tnLst>
-      <p:par>
-        <p:cTn id="3" dur="indefinite" restart="never" nodeType="tmRoot">
-          <p:childTnLst>
-            <p:seq>
-              <p:cTn id="4" nodeType="mainSeq"/>
-              <p:prevCondLst>
-                <p:cond delay="0" evt="onPrev">
-                  <p:tgtEl>
-                    <p:sldTgt/>
-                  </p:tgtEl>
-                </p:cond>
-              </p:prevCondLst>
-              <p:nextCondLst>
-                <p:cond delay="0" evt="onNext">
-                  <p:tgtEl>
-                    <p:sldTgt/>
-                  </p:tgtEl>
-                </p:cond>
-              </p:nextCondLst>
-            </p:seq>
-          </p:childTnLst>
-        </p:cTn>
-      </p:par>
-    </p:tnLst>
-  </p:timing>
 </p:sld>
 </file>
 
@@ -14800,33 +14476,6 @@
       </p:sp>
     </p:spTree>
   </p:cSld>
-  <p:timing>
-    <p:tnLst>
-      <p:par>
-        <p:cTn id="39" dur="indefinite" restart="never" nodeType="tmRoot">
-          <p:childTnLst>
-            <p:seq>
-              <p:cTn id="40" nodeType="mainSeq"/>
-              <p:prevCondLst>
-                <p:cond delay="0" evt="onPrev">
-                  <p:tgtEl>
-                    <p:sldTgt/>
-                  </p:tgtEl>
-                </p:cond>
-              </p:prevCondLst>
-              <p:nextCondLst>
-                <p:cond delay="0" evt="onNext">
-                  <p:tgtEl>
-                    <p:sldTgt/>
-                  </p:tgtEl>
-                </p:cond>
-              </p:nextCondLst>
-            </p:seq>
-          </p:childTnLst>
-        </p:cTn>
-      </p:par>
-    </p:tnLst>
-  </p:timing>
 </p:sld>
 </file>
 
@@ -15264,33 +14913,6 @@
       </p:sp>
     </p:spTree>
   </p:cSld>
-  <p:timing>
-    <p:tnLst>
-      <p:par>
-        <p:cTn id="41" dur="indefinite" restart="never" nodeType="tmRoot">
-          <p:childTnLst>
-            <p:seq>
-              <p:cTn id="42" nodeType="mainSeq"/>
-              <p:prevCondLst>
-                <p:cond delay="0" evt="onPrev">
-                  <p:tgtEl>
-                    <p:sldTgt/>
-                  </p:tgtEl>
-                </p:cond>
-              </p:prevCondLst>
-              <p:nextCondLst>
-                <p:cond delay="0" evt="onNext">
-                  <p:tgtEl>
-                    <p:sldTgt/>
-                  </p:tgtEl>
-                </p:cond>
-              </p:nextCondLst>
-            </p:seq>
-          </p:childTnLst>
-        </p:cTn>
-      </p:par>
-    </p:tnLst>
-  </p:timing>
 </p:sld>
 </file>
 
@@ -15603,33 +15225,6 @@
       </p:sp>
     </p:spTree>
   </p:cSld>
-  <p:timing>
-    <p:tnLst>
-      <p:par>
-        <p:cTn id="43" dur="indefinite" restart="never" nodeType="tmRoot">
-          <p:childTnLst>
-            <p:seq>
-              <p:cTn id="44" nodeType="mainSeq"/>
-              <p:prevCondLst>
-                <p:cond delay="0" evt="onPrev">
-                  <p:tgtEl>
-                    <p:sldTgt/>
-                  </p:tgtEl>
-                </p:cond>
-              </p:prevCondLst>
-              <p:nextCondLst>
-                <p:cond delay="0" evt="onNext">
-                  <p:tgtEl>
-                    <p:sldTgt/>
-                  </p:tgtEl>
-                </p:cond>
-              </p:nextCondLst>
-            </p:seq>
-          </p:childTnLst>
-        </p:cTn>
-      </p:par>
-    </p:tnLst>
-  </p:timing>
 </p:sld>
 </file>
 
@@ -16010,33 +15605,6 @@
       </p:sp>
     </p:spTree>
   </p:cSld>
-  <p:timing>
-    <p:tnLst>
-      <p:par>
-        <p:cTn id="45" dur="indefinite" restart="never" nodeType="tmRoot">
-          <p:childTnLst>
-            <p:seq>
-              <p:cTn id="46" nodeType="mainSeq"/>
-              <p:prevCondLst>
-                <p:cond delay="0" evt="onPrev">
-                  <p:tgtEl>
-                    <p:sldTgt/>
-                  </p:tgtEl>
-                </p:cond>
-              </p:prevCondLst>
-              <p:nextCondLst>
-                <p:cond delay="0" evt="onNext">
-                  <p:tgtEl>
-                    <p:sldTgt/>
-                  </p:tgtEl>
-                </p:cond>
-              </p:nextCondLst>
-            </p:seq>
-          </p:childTnLst>
-        </p:cTn>
-      </p:par>
-    </p:tnLst>
-  </p:timing>
 </p:sld>
 </file>
 
@@ -16316,33 +15884,6 @@
       </p:pic>
     </p:spTree>
   </p:cSld>
-  <p:timing>
-    <p:tnLst>
-      <p:par>
-        <p:cTn id="47" dur="indefinite" restart="never" nodeType="tmRoot">
-          <p:childTnLst>
-            <p:seq>
-              <p:cTn id="48" nodeType="mainSeq"/>
-              <p:prevCondLst>
-                <p:cond delay="0" evt="onPrev">
-                  <p:tgtEl>
-                    <p:sldTgt/>
-                  </p:tgtEl>
-                </p:cond>
-              </p:prevCondLst>
-              <p:nextCondLst>
-                <p:cond delay="0" evt="onNext">
-                  <p:tgtEl>
-                    <p:sldTgt/>
-                  </p:tgtEl>
-                </p:cond>
-              </p:nextCondLst>
-            </p:seq>
-          </p:childTnLst>
-        </p:cTn>
-      </p:par>
-    </p:tnLst>
-  </p:timing>
 </p:sld>
 </file>
 
@@ -16691,33 +16232,6 @@
       </p:sp>
     </p:spTree>
   </p:cSld>
-  <p:timing>
-    <p:tnLst>
-      <p:par>
-        <p:cTn id="49" dur="indefinite" restart="never" nodeType="tmRoot">
-          <p:childTnLst>
-            <p:seq>
-              <p:cTn id="50" nodeType="mainSeq"/>
-              <p:prevCondLst>
-                <p:cond delay="0" evt="onPrev">
-                  <p:tgtEl>
-                    <p:sldTgt/>
-                  </p:tgtEl>
-                </p:cond>
-              </p:prevCondLst>
-              <p:nextCondLst>
-                <p:cond delay="0" evt="onNext">
-                  <p:tgtEl>
-                    <p:sldTgt/>
-                  </p:tgtEl>
-                </p:cond>
-              </p:nextCondLst>
-            </p:seq>
-          </p:childTnLst>
-        </p:cTn>
-      </p:par>
-    </p:tnLst>
-  </p:timing>
 </p:sld>
 </file>
 
@@ -16876,33 +16390,6 @@
       </p:sp>
     </p:spTree>
   </p:cSld>
-  <p:timing>
-    <p:tnLst>
-      <p:par>
-        <p:cTn id="51" dur="indefinite" restart="never" nodeType="tmRoot">
-          <p:childTnLst>
-            <p:seq>
-              <p:cTn id="52" nodeType="mainSeq"/>
-              <p:prevCondLst>
-                <p:cond delay="0" evt="onPrev">
-                  <p:tgtEl>
-                    <p:sldTgt/>
-                  </p:tgtEl>
-                </p:cond>
-              </p:prevCondLst>
-              <p:nextCondLst>
-                <p:cond delay="0" evt="onNext">
-                  <p:tgtEl>
-                    <p:sldTgt/>
-                  </p:tgtEl>
-                </p:cond>
-              </p:nextCondLst>
-            </p:seq>
-          </p:childTnLst>
-        </p:cTn>
-      </p:par>
-    </p:tnLst>
-  </p:timing>
 </p:sld>
 </file>
 
@@ -17795,33 +17282,6 @@
       </p:sp>
     </p:spTree>
   </p:cSld>
-  <p:timing>
-    <p:tnLst>
-      <p:par>
-        <p:cTn id="5" dur="indefinite" restart="never" nodeType="tmRoot">
-          <p:childTnLst>
-            <p:seq>
-              <p:cTn id="6" nodeType="mainSeq"/>
-              <p:prevCondLst>
-                <p:cond delay="0" evt="onPrev">
-                  <p:tgtEl>
-                    <p:sldTgt/>
-                  </p:tgtEl>
-                </p:cond>
-              </p:prevCondLst>
-              <p:nextCondLst>
-                <p:cond delay="0" evt="onNext">
-                  <p:tgtEl>
-                    <p:sldTgt/>
-                  </p:tgtEl>
-                </p:cond>
-              </p:nextCondLst>
-            </p:seq>
-          </p:childTnLst>
-        </p:cTn>
-      </p:par>
-    </p:tnLst>
-  </p:timing>
 </p:sld>
 </file>
 
@@ -19726,33 +19186,6 @@
       </p:pic>
     </p:spTree>
   </p:cSld>
-  <p:timing>
-    <p:tnLst>
-      <p:par>
-        <p:cTn id="53" dur="indefinite" restart="never" nodeType="tmRoot">
-          <p:childTnLst>
-            <p:seq>
-              <p:cTn id="54" nodeType="mainSeq"/>
-              <p:prevCondLst>
-                <p:cond delay="0" evt="onPrev">
-                  <p:tgtEl>
-                    <p:sldTgt/>
-                  </p:tgtEl>
-                </p:cond>
-              </p:prevCondLst>
-              <p:nextCondLst>
-                <p:cond delay="0" evt="onNext">
-                  <p:tgtEl>
-                    <p:sldTgt/>
-                  </p:tgtEl>
-                </p:cond>
-              </p:nextCondLst>
-            </p:seq>
-          </p:childTnLst>
-        </p:cTn>
-      </p:par>
-    </p:tnLst>
-  </p:timing>
 </p:sld>
 </file>
 
@@ -20597,33 +20030,6 @@
       </p:sp>
     </p:spTree>
   </p:cSld>
-  <p:timing>
-    <p:tnLst>
-      <p:par>
-        <p:cTn id="55" dur="indefinite" restart="never" nodeType="tmRoot">
-          <p:childTnLst>
-            <p:seq>
-              <p:cTn id="56" nodeType="mainSeq"/>
-              <p:prevCondLst>
-                <p:cond delay="0" evt="onPrev">
-                  <p:tgtEl>
-                    <p:sldTgt/>
-                  </p:tgtEl>
-                </p:cond>
-              </p:prevCondLst>
-              <p:nextCondLst>
-                <p:cond delay="0" evt="onNext">
-                  <p:tgtEl>
-                    <p:sldTgt/>
-                  </p:tgtEl>
-                </p:cond>
-              </p:nextCondLst>
-            </p:seq>
-          </p:childTnLst>
-        </p:cTn>
-      </p:par>
-    </p:tnLst>
-  </p:timing>
 </p:sld>
 </file>
 
@@ -20842,33 +20248,6 @@
       </p:pic>
     </p:spTree>
   </p:cSld>
-  <p:timing>
-    <p:tnLst>
-      <p:par>
-        <p:cTn id="57" dur="indefinite" restart="never" nodeType="tmRoot">
-          <p:childTnLst>
-            <p:seq>
-              <p:cTn id="58" nodeType="mainSeq"/>
-              <p:prevCondLst>
-                <p:cond delay="0" evt="onPrev">
-                  <p:tgtEl>
-                    <p:sldTgt/>
-                  </p:tgtEl>
-                </p:cond>
-              </p:prevCondLst>
-              <p:nextCondLst>
-                <p:cond delay="0" evt="onNext">
-                  <p:tgtEl>
-                    <p:sldTgt/>
-                  </p:tgtEl>
-                </p:cond>
-              </p:nextCondLst>
-            </p:seq>
-          </p:childTnLst>
-        </p:cTn>
-      </p:par>
-    </p:tnLst>
-  </p:timing>
 </p:sld>
 </file>
 
@@ -21785,33 +21164,6 @@
       </p:sp>
     </p:spTree>
   </p:cSld>
-  <p:timing>
-    <p:tnLst>
-      <p:par>
-        <p:cTn id="59" dur="indefinite" restart="never" nodeType="tmRoot">
-          <p:childTnLst>
-            <p:seq>
-              <p:cTn id="60" nodeType="mainSeq"/>
-              <p:prevCondLst>
-                <p:cond delay="0" evt="onPrev">
-                  <p:tgtEl>
-                    <p:sldTgt/>
-                  </p:tgtEl>
-                </p:cond>
-              </p:prevCondLst>
-              <p:nextCondLst>
-                <p:cond delay="0" evt="onNext">
-                  <p:tgtEl>
-                    <p:sldTgt/>
-                  </p:tgtEl>
-                </p:cond>
-              </p:nextCondLst>
-            </p:seq>
-          </p:childTnLst>
-        </p:cTn>
-      </p:par>
-    </p:tnLst>
-  </p:timing>
 </p:sld>
 </file>
 
@@ -22570,33 +21922,6 @@
       </p:sp>
     </p:spTree>
   </p:cSld>
-  <p:timing>
-    <p:tnLst>
-      <p:par>
-        <p:cTn id="61" dur="indefinite" restart="never" nodeType="tmRoot">
-          <p:childTnLst>
-            <p:seq>
-              <p:cTn id="62" nodeType="mainSeq"/>
-              <p:prevCondLst>
-                <p:cond delay="0" evt="onPrev">
-                  <p:tgtEl>
-                    <p:sldTgt/>
-                  </p:tgtEl>
-                </p:cond>
-              </p:prevCondLst>
-              <p:nextCondLst>
-                <p:cond delay="0" evt="onNext">
-                  <p:tgtEl>
-                    <p:sldTgt/>
-                  </p:tgtEl>
-                </p:cond>
-              </p:nextCondLst>
-            </p:seq>
-          </p:childTnLst>
-        </p:cTn>
-      </p:par>
-    </p:tnLst>
-  </p:timing>
 </p:sld>
 </file>
 
@@ -22737,7 +22062,85 @@
                 <a:latin typeface="文泉驛微米黑"/>
                 <a:ea typeface="Calibri"/>
               </a:rPr>
-              <a:t>ClassNam</a:t>
+              <a:t>ClassName</a:t>
+            </a:r>
+            <a:r>
+              <a:rPr b="0" i="1" lang="en-US" sz="2000" spc="-1" strike="noStrike">
+                <a:solidFill>
+                  <a:srgbClr val="434343"/>
+                </a:solidFill>
+                <a:uFill>
+                  <a:solidFill>
+                    <a:srgbClr val="ffffff"/>
+                  </a:solidFill>
+                </a:uFill>
+                <a:latin typeface="文泉驛微米黑"/>
+                <a:ea typeface="Consolas"/>
+              </a:rPr>
+              <a:t> </a:t>
+            </a:r>
+            <a:r>
+              <a:rPr b="0" lang="en-US" sz="2000" spc="-1" strike="noStrike">
+                <a:solidFill>
+                  <a:srgbClr val="434343"/>
+                </a:solidFill>
+                <a:uFill>
+                  <a:solidFill>
+                    <a:srgbClr val="ffffff"/>
+                  </a:solidFill>
+                </a:uFill>
+                <a:latin typeface="文泉驛微米黑"/>
+                <a:ea typeface="Consolas"/>
+              </a:rPr>
+              <a:t>{</a:t>
+            </a:r>
+            <a:endParaRPr b="0" lang="en-US" sz="1800" spc="-1" strike="noStrike">
+              <a:solidFill>
+                <a:srgbClr val="000000"/>
+              </a:solidFill>
+              <a:uFill>
+                <a:solidFill>
+                  <a:srgbClr val="ffffff"/>
+                </a:solidFill>
+              </a:uFill>
+              <a:latin typeface="Arial"/>
+            </a:endParaRPr>
+          </a:p>
+          <a:p>
+            <a:pPr>
+              <a:lnSpc>
+                <a:spcPct val="100000"/>
+              </a:lnSpc>
+            </a:pPr>
+            <a:r>
+              <a:rPr b="0" lang="en-US" sz="2000" spc="-1" strike="noStrike">
+                <a:solidFill>
+                  <a:srgbClr val="434343"/>
+                </a:solidFill>
+                <a:uFill>
+                  <a:solidFill>
+                    <a:srgbClr val="ffffff"/>
+                  </a:solidFill>
+                </a:uFill>
+                <a:latin typeface="文泉驛微米黑"/>
+                <a:ea typeface="Consolas"/>
+              </a:rPr>
+              <a:t>  </a:t>
+            </a:r>
+            <a:r>
+              <a:rPr b="0" lang="en-US" sz="2000" spc="-1" strike="noStrike">
+                <a:solidFill>
+                  <a:srgbClr val="434343"/>
+                </a:solidFill>
+                <a:uFill>
+                  <a:solidFill>
+                    <a:srgbClr val="ffffff"/>
+                  </a:solidFill>
+                </a:uFill>
+                <a:latin typeface="文泉驛微米黑"/>
+                <a:ea typeface="Consolas"/>
+              </a:rPr>
+              <a:t>constructor(</a:t>
             </a:r>
             <a:r>
               <a:rPr b="1" i="1" lang="en-US" sz="2000" spc="-1" strike="noStrike">
@@ -22752,10 +22155,10 @@
                 <a:latin typeface="文泉驛微米黑"/>
                 <a:ea typeface="Calibri"/>
               </a:rPr>
-              <a:t>e</a:t>
-            </a:r>
-            <a:r>
-              <a:rPr b="0" i="1" lang="en-US" sz="2000" spc="-1" strike="noStrike">
+              <a:t>params</a:t>
+            </a:r>
+            <a:r>
+              <a:rPr b="0" lang="en-US" sz="2000" spc="-1" strike="noStrike">
                 <a:solidFill>
                   <a:srgbClr val="434343"/>
                 </a:solidFill>
@@ -22767,8 +22170,26 @@
                 <a:latin typeface="文泉驛微米黑"/>
                 <a:ea typeface="Consolas"/>
               </a:rPr>
-              <a:t> </a:t>
-            </a:r>
+              <a:t>) {</a:t>
+            </a:r>
+            <a:endParaRPr b="0" lang="en-US" sz="1800" spc="-1" strike="noStrike">
+              <a:solidFill>
+                <a:srgbClr val="000000"/>
+              </a:solidFill>
+              <a:uFill>
+                <a:solidFill>
+                  <a:srgbClr val="ffffff"/>
+                </a:solidFill>
+              </a:uFill>
+              <a:latin typeface="Arial"/>
+            </a:endParaRPr>
+          </a:p>
+          <a:p>
+            <a:pPr>
+              <a:lnSpc>
+                <a:spcPct val="100000"/>
+              </a:lnSpc>
+            </a:pPr>
             <a:r>
               <a:rPr b="0" lang="en-US" sz="2000" spc="-1" strike="noStrike">
                 <a:solidFill>
@@ -22782,7 +22203,22 @@
                 <a:latin typeface="文泉驛微米黑"/>
                 <a:ea typeface="Consolas"/>
               </a:rPr>
-              <a:t>{</a:t>
+              <a:t>    </a:t>
+            </a:r>
+            <a:r>
+              <a:rPr b="0" lang="en-US" sz="2000" spc="-1" strike="noStrike">
+                <a:solidFill>
+                  <a:srgbClr val="434343"/>
+                </a:solidFill>
+                <a:uFill>
+                  <a:solidFill>
+                    <a:srgbClr val="ffffff"/>
+                  </a:solidFill>
+                </a:uFill>
+                <a:latin typeface="文泉驛微米黑"/>
+                <a:ea typeface="Consolas"/>
+              </a:rPr>
+              <a:t>...</a:t>
             </a:r>
             <a:endParaRPr b="0" lang="en-US" sz="1800" spc="-1" strike="noStrike">
               <a:solidFill>
@@ -22830,8 +22266,26 @@
                 <a:latin typeface="文泉驛微米黑"/>
                 <a:ea typeface="Consolas"/>
               </a:rPr>
-              <a:t>constructor</a:t>
-            </a:r>
+              <a:t>}</a:t>
+            </a:r>
+            <a:endParaRPr b="0" lang="en-US" sz="1800" spc="-1" strike="noStrike">
+              <a:solidFill>
+                <a:srgbClr val="000000"/>
+              </a:solidFill>
+              <a:uFill>
+                <a:solidFill>
+                  <a:srgbClr val="ffffff"/>
+                </a:solidFill>
+              </a:uFill>
+              <a:latin typeface="Arial"/>
+            </a:endParaRPr>
+          </a:p>
+          <a:p>
+            <a:pPr>
+              <a:lnSpc>
+                <a:spcPct val="100000"/>
+              </a:lnSpc>
+            </a:pPr>
             <a:r>
               <a:rPr b="0" lang="en-US" sz="2000" spc="-1" strike="noStrike">
                 <a:solidFill>
@@ -22845,7 +22299,7 @@
                 <a:latin typeface="文泉驛微米黑"/>
                 <a:ea typeface="Consolas"/>
               </a:rPr>
-              <a:t>(</a:t>
+              <a:t>  </a:t>
             </a:r>
             <a:r>
               <a:rPr b="1" i="1" lang="en-US" sz="2000" spc="-1" strike="noStrike">
@@ -22860,7 +22314,7 @@
                 <a:latin typeface="文泉驛微米黑"/>
                 <a:ea typeface="Calibri"/>
               </a:rPr>
-              <a:t>params</a:t>
+              <a:t>methodName</a:t>
             </a:r>
             <a:r>
               <a:rPr b="0" lang="en-US" sz="2000" spc="-1" strike="noStrike">
@@ -22875,7 +22329,7 @@
                 <a:latin typeface="文泉驛微米黑"/>
                 <a:ea typeface="Consolas"/>
               </a:rPr>
-              <a:t>) {</a:t>
+              <a:t>() {</a:t>
             </a:r>
             <a:endParaRPr b="0" lang="en-US" sz="1800" spc="-1" strike="noStrike">
               <a:solidFill>
@@ -23019,196 +22473,7 @@
                 <a:latin typeface="文泉驛微米黑"/>
                 <a:ea typeface="Calibri"/>
               </a:rPr>
-              <a:t>methodNa</a:t>
-            </a:r>
-            <a:r>
-              <a:rPr b="1" i="1" lang="en-US" sz="2000" spc="-1" strike="noStrike">
-                <a:solidFill>
-                  <a:srgbClr val="434343"/>
-                </a:solidFill>
-                <a:uFill>
-                  <a:solidFill>
-                    <a:srgbClr val="ffffff"/>
-                  </a:solidFill>
-                </a:uFill>
-                <a:latin typeface="文泉驛微米黑"/>
-                <a:ea typeface="Calibri"/>
-              </a:rPr>
-              <a:t>me</a:t>
-            </a:r>
-            <a:r>
-              <a:rPr b="0" lang="en-US" sz="2000" spc="-1" strike="noStrike">
-                <a:solidFill>
-                  <a:srgbClr val="434343"/>
-                </a:solidFill>
-                <a:uFill>
-                  <a:solidFill>
-                    <a:srgbClr val="ffffff"/>
-                  </a:solidFill>
-                </a:uFill>
-                <a:latin typeface="文泉驛微米黑"/>
-                <a:ea typeface="Consolas"/>
-              </a:rPr>
-              <a:t>() {</a:t>
-            </a:r>
-            <a:endParaRPr b="0" lang="en-US" sz="1800" spc="-1" strike="noStrike">
-              <a:solidFill>
-                <a:srgbClr val="000000"/>
-              </a:solidFill>
-              <a:uFill>
-                <a:solidFill>
-                  <a:srgbClr val="ffffff"/>
-                </a:solidFill>
-              </a:uFill>
-              <a:latin typeface="Arial"/>
-            </a:endParaRPr>
-          </a:p>
-          <a:p>
-            <a:pPr>
-              <a:lnSpc>
-                <a:spcPct val="100000"/>
-              </a:lnSpc>
-            </a:pPr>
-            <a:r>
-              <a:rPr b="0" lang="en-US" sz="2000" spc="-1" strike="noStrike">
-                <a:solidFill>
-                  <a:srgbClr val="434343"/>
-                </a:solidFill>
-                <a:uFill>
-                  <a:solidFill>
-                    <a:srgbClr val="ffffff"/>
-                  </a:solidFill>
-                </a:uFill>
-                <a:latin typeface="文泉驛微米黑"/>
-                <a:ea typeface="Consolas"/>
-              </a:rPr>
-              <a:t>    </a:t>
-            </a:r>
-            <a:r>
-              <a:rPr b="0" lang="en-US" sz="2000" spc="-1" strike="noStrike">
-                <a:solidFill>
-                  <a:srgbClr val="434343"/>
-                </a:solidFill>
-                <a:uFill>
-                  <a:solidFill>
-                    <a:srgbClr val="ffffff"/>
-                  </a:solidFill>
-                </a:uFill>
-                <a:latin typeface="文泉驛微米黑"/>
-                <a:ea typeface="Consolas"/>
-              </a:rPr>
-              <a:t>...</a:t>
-            </a:r>
-            <a:endParaRPr b="0" lang="en-US" sz="1800" spc="-1" strike="noStrike">
-              <a:solidFill>
-                <a:srgbClr val="000000"/>
-              </a:solidFill>
-              <a:uFill>
-                <a:solidFill>
-                  <a:srgbClr val="ffffff"/>
-                </a:solidFill>
-              </a:uFill>
-              <a:latin typeface="Arial"/>
-            </a:endParaRPr>
-          </a:p>
-          <a:p>
-            <a:pPr>
-              <a:lnSpc>
-                <a:spcPct val="100000"/>
-              </a:lnSpc>
-            </a:pPr>
-            <a:r>
-              <a:rPr b="0" lang="en-US" sz="2000" spc="-1" strike="noStrike">
-                <a:solidFill>
-                  <a:srgbClr val="434343"/>
-                </a:solidFill>
-                <a:uFill>
-                  <a:solidFill>
-                    <a:srgbClr val="ffffff"/>
-                  </a:solidFill>
-                </a:uFill>
-                <a:latin typeface="文泉驛微米黑"/>
-                <a:ea typeface="Consolas"/>
-              </a:rPr>
-              <a:t>  </a:t>
-            </a:r>
-            <a:r>
-              <a:rPr b="0" lang="en-US" sz="2000" spc="-1" strike="noStrike">
-                <a:solidFill>
-                  <a:srgbClr val="434343"/>
-                </a:solidFill>
-                <a:uFill>
-                  <a:solidFill>
-                    <a:srgbClr val="ffffff"/>
-                  </a:solidFill>
-                </a:uFill>
-                <a:latin typeface="文泉驛微米黑"/>
-                <a:ea typeface="Consolas"/>
-              </a:rPr>
-              <a:t>}</a:t>
-            </a:r>
-            <a:endParaRPr b="0" lang="en-US" sz="1800" spc="-1" strike="noStrike">
-              <a:solidFill>
-                <a:srgbClr val="000000"/>
-              </a:solidFill>
-              <a:uFill>
-                <a:solidFill>
-                  <a:srgbClr val="ffffff"/>
-                </a:solidFill>
-              </a:uFill>
-              <a:latin typeface="Arial"/>
-            </a:endParaRPr>
-          </a:p>
-          <a:p>
-            <a:pPr>
-              <a:lnSpc>
-                <a:spcPct val="100000"/>
-              </a:lnSpc>
-            </a:pPr>
-            <a:r>
-              <a:rPr b="0" lang="en-US" sz="2000" spc="-1" strike="noStrike">
-                <a:solidFill>
-                  <a:srgbClr val="434343"/>
-                </a:solidFill>
-                <a:uFill>
-                  <a:solidFill>
-                    <a:srgbClr val="ffffff"/>
-                  </a:solidFill>
-                </a:uFill>
-                <a:latin typeface="文泉驛微米黑"/>
-                <a:ea typeface="Consolas"/>
-              </a:rPr>
-              <a:t>  </a:t>
-            </a:r>
-            <a:r>
-              <a:rPr b="1" i="1" lang="en-US" sz="2000" spc="-1" strike="noStrike">
-                <a:solidFill>
-                  <a:srgbClr val="434343"/>
-                </a:solidFill>
-                <a:uFill>
-                  <a:solidFill>
-                    <a:srgbClr val="ffffff"/>
-                  </a:solidFill>
-                </a:uFill>
-                <a:latin typeface="文泉驛微米黑"/>
-                <a:ea typeface="Calibri"/>
-              </a:rPr>
-              <a:t>methodNa</a:t>
-            </a:r>
-            <a:r>
-              <a:rPr b="1" i="1" lang="en-US" sz="2000" spc="-1" strike="noStrike">
-                <a:solidFill>
-                  <a:srgbClr val="434343"/>
-                </a:solidFill>
-                <a:uFill>
-                  <a:solidFill>
-                    <a:srgbClr val="ffffff"/>
-                  </a:solidFill>
-                </a:uFill>
-                <a:latin typeface="文泉驛微米黑"/>
-                <a:ea typeface="Calibri"/>
-              </a:rPr>
-              <a:t>me</a:t>
+              <a:t>methodName</a:t>
             </a:r>
             <a:r>
               <a:rPr b="0" lang="en-US" sz="2000" spc="-1" strike="noStrike">
@@ -23573,33 +22838,6 @@
       </p:sp>
     </p:spTree>
   </p:cSld>
-  <p:timing>
-    <p:tnLst>
-      <p:par>
-        <p:cTn id="7" dur="indefinite" restart="never" nodeType="tmRoot">
-          <p:childTnLst>
-            <p:seq>
-              <p:cTn id="8" nodeType="mainSeq"/>
-              <p:prevCondLst>
-                <p:cond delay="0" evt="onPrev">
-                  <p:tgtEl>
-                    <p:sldTgt/>
-                  </p:tgtEl>
-                </p:cond>
-              </p:prevCondLst>
-              <p:nextCondLst>
-                <p:cond delay="0" evt="onNext">
-                  <p:tgtEl>
-                    <p:sldTgt/>
-                  </p:tgtEl>
-                </p:cond>
-              </p:nextCondLst>
-            </p:seq>
-          </p:childTnLst>
-        </p:cTn>
-      </p:par>
-    </p:tnLst>
-  </p:timing>
 </p:sld>
 </file>
 
@@ -24026,33 +23264,6 @@
       </p:sp>
     </p:spTree>
   </p:cSld>
-  <p:timing>
-    <p:tnLst>
-      <p:par>
-        <p:cTn id="63" dur="indefinite" restart="never" nodeType="tmRoot">
-          <p:childTnLst>
-            <p:seq>
-              <p:cTn id="64" nodeType="mainSeq"/>
-              <p:prevCondLst>
-                <p:cond delay="0" evt="onPrev">
-                  <p:tgtEl>
-                    <p:sldTgt/>
-                  </p:tgtEl>
-                </p:cond>
-              </p:prevCondLst>
-              <p:nextCondLst>
-                <p:cond delay="0" evt="onNext">
-                  <p:tgtEl>
-                    <p:sldTgt/>
-                  </p:tgtEl>
-                </p:cond>
-              </p:nextCondLst>
-            </p:seq>
-          </p:childTnLst>
-        </p:cTn>
-      </p:par>
-    </p:tnLst>
-  </p:timing>
 </p:sld>
 </file>
 
@@ -24947,7 +24158,7 @@
         </p:nvSpPr>
         <p:spPr>
           <a:xfrm flipH="1" rot="10800000">
-            <a:off x="3833640" y="5581080"/>
+            <a:off x="3832920" y="5581080"/>
             <a:ext cx="862920" cy="1784520"/>
           </a:xfrm>
           <a:custGeom>
@@ -24990,7 +24201,7 @@
         </p:nvSpPr>
         <p:spPr>
           <a:xfrm flipH="1" rot="10800000">
-            <a:off x="3833640" y="5014440"/>
+            <a:off x="3832920" y="5014440"/>
             <a:ext cx="1404360" cy="1217520"/>
           </a:xfrm>
           <a:custGeom>
@@ -26164,7 +25375,7 @@
         </p:nvSpPr>
         <p:spPr>
           <a:xfrm flipH="1" rot="10800000">
-            <a:off x="3737160" y="5493960"/>
+            <a:off x="3736440" y="5493960"/>
             <a:ext cx="862920" cy="1784520"/>
           </a:xfrm>
           <a:custGeom>
@@ -26207,7 +25418,7 @@
         </p:nvSpPr>
         <p:spPr>
           <a:xfrm flipH="1" rot="10800000">
-            <a:off x="3737160" y="4927320"/>
+            <a:off x="3736440" y="4927320"/>
             <a:ext cx="1404360" cy="1217520"/>
           </a:xfrm>
           <a:custGeom>
@@ -26990,33 +26201,6 @@
       </p:sp>
     </p:spTree>
   </p:cSld>
-  <p:timing>
-    <p:tnLst>
-      <p:par>
-        <p:cTn id="65" dur="indefinite" restart="never" nodeType="tmRoot">
-          <p:childTnLst>
-            <p:seq>
-              <p:cTn id="66" nodeType="mainSeq"/>
-              <p:prevCondLst>
-                <p:cond delay="0" evt="onPrev">
-                  <p:tgtEl>
-                    <p:sldTgt/>
-                  </p:tgtEl>
-                </p:cond>
-              </p:prevCondLst>
-              <p:nextCondLst>
-                <p:cond delay="0" evt="onNext">
-                  <p:tgtEl>
-                    <p:sldTgt/>
-                  </p:tgtEl>
-                </p:cond>
-              </p:nextCondLst>
-            </p:seq>
-          </p:childTnLst>
-        </p:cTn>
-      </p:par>
-    </p:tnLst>
-  </p:timing>
 </p:sld>
 </file>
 
@@ -27986,7 +27170,7 @@
                 <a:ea typeface="Calibri"/>
                 <a:hlinkClick r:id="rId1"/>
               </a:rPr>
-              <a:t>App and Present: Custom Events</a:t>
+              <a:t>App and Present: Custom Events WITH BUG: No bind</a:t>
             </a:r>
             <a:endParaRPr b="0" lang="en-US" sz="1400" spc="-1" strike="noStrike">
               <a:solidFill>
@@ -28004,33 +27188,6 @@
       </p:sp>
     </p:spTree>
   </p:cSld>
-  <p:timing>
-    <p:tnLst>
-      <p:par>
-        <p:cTn id="67" dur="indefinite" restart="never" nodeType="tmRoot">
-          <p:childTnLst>
-            <p:seq>
-              <p:cTn id="68" nodeType="mainSeq"/>
-              <p:prevCondLst>
-                <p:cond delay="0" evt="onPrev">
-                  <p:tgtEl>
-                    <p:sldTgt/>
-                  </p:tgtEl>
-                </p:cond>
-              </p:prevCondLst>
-              <p:nextCondLst>
-                <p:cond delay="0" evt="onNext">
-                  <p:tgtEl>
-                    <p:sldTgt/>
-                  </p:tgtEl>
-                </p:cond>
-              </p:nextCondLst>
-            </p:seq>
-          </p:childTnLst>
-        </p:cTn>
-      </p:par>
-    </p:tnLst>
-  </p:timing>
 </p:sld>
 </file>
 
@@ -28102,40 +27259,13 @@
                   <a:srgbClr val="ffffff"/>
                 </a:solidFill>
               </a:uFill>
-              <a:latin typeface="文泉驛微米黑"/>
+              <a:latin typeface="Arial"/>
             </a:endParaRPr>
           </a:p>
         </p:txBody>
       </p:sp>
     </p:spTree>
   </p:cSld>
-  <p:timing>
-    <p:tnLst>
-      <p:par>
-        <p:cTn id="69" dur="indefinite" restart="never" nodeType="tmRoot">
-          <p:childTnLst>
-            <p:seq>
-              <p:cTn id="70" nodeType="mainSeq"/>
-              <p:prevCondLst>
-                <p:cond delay="0" evt="onPrev">
-                  <p:tgtEl>
-                    <p:sldTgt/>
-                  </p:tgtEl>
-                </p:cond>
-              </p:prevCondLst>
-              <p:nextCondLst>
-                <p:cond delay="0" evt="onNext">
-                  <p:tgtEl>
-                    <p:sldTgt/>
-                  </p:tgtEl>
-                </p:cond>
-              </p:nextCondLst>
-            </p:seq>
-          </p:childTnLst>
-        </p:cTn>
-      </p:par>
-    </p:tnLst>
-  </p:timing>
 </p:sld>
 </file>
 
@@ -28222,7 +27352,7 @@
                   <a:srgbClr val="ffffff"/>
                 </a:solidFill>
               </a:uFill>
-              <a:latin typeface="文泉驛微米黑"/>
+              <a:latin typeface="Arial"/>
             </a:endParaRPr>
           </a:p>
         </p:txBody>
@@ -28603,33 +27733,6 @@
       </p:sp>
     </p:spTree>
   </p:cSld>
-  <p:timing>
-    <p:tnLst>
-      <p:par>
-        <p:cTn id="71" dur="indefinite" restart="never" nodeType="tmRoot">
-          <p:childTnLst>
-            <p:seq>
-              <p:cTn id="72" nodeType="mainSeq"/>
-              <p:prevCondLst>
-                <p:cond delay="0" evt="onPrev">
-                  <p:tgtEl>
-                    <p:sldTgt/>
-                  </p:tgtEl>
-                </p:cond>
-              </p:prevCondLst>
-              <p:nextCondLst>
-                <p:cond delay="0" evt="onNext">
-                  <p:tgtEl>
-                    <p:sldTgt/>
-                  </p:tgtEl>
-                </p:cond>
-              </p:nextCondLst>
-            </p:seq>
-          </p:childTnLst>
-        </p:cTn>
-      </p:par>
-    </p:tnLst>
-  </p:timing>
 </p:sld>
 </file>
 
@@ -28701,7 +27804,7 @@
                   <a:srgbClr val="ffffff"/>
                 </a:solidFill>
               </a:uFill>
-              <a:latin typeface="文泉驛微米黑"/>
+              <a:latin typeface="Arial"/>
             </a:endParaRPr>
           </a:p>
         </p:txBody>
@@ -28788,7 +27891,7 @@
                   <a:srgbClr val="ffffff"/>
                 </a:solidFill>
               </a:uFill>
-              <a:latin typeface="文泉驛微米黑"/>
+              <a:latin typeface="Arial"/>
             </a:endParaRPr>
           </a:p>
           <a:p>
@@ -28826,7 +27929,7 @@
                   <a:srgbClr val="ffffff"/>
                 </a:solidFill>
               </a:uFill>
-              <a:latin typeface="文泉驛微米黑"/>
+              <a:latin typeface="Arial"/>
             </a:endParaRPr>
           </a:p>
           <a:p>
@@ -28864,7 +27967,7 @@
                   <a:srgbClr val="ffffff"/>
                 </a:solidFill>
               </a:uFill>
-              <a:latin typeface="文泉驛微米黑"/>
+              <a:latin typeface="Arial"/>
             </a:endParaRPr>
           </a:p>
           <a:p>
@@ -28902,7 +28005,7 @@
                   <a:srgbClr val="ffffff"/>
                 </a:solidFill>
               </a:uFill>
-              <a:latin typeface="文泉驛微米黑"/>
+              <a:latin typeface="Arial"/>
             </a:endParaRPr>
           </a:p>
           <a:p>
@@ -28955,7 +28058,7 @@
                   <a:srgbClr val="ffffff"/>
                 </a:solidFill>
               </a:uFill>
-              <a:latin typeface="文泉驛微米黑"/>
+              <a:latin typeface="Arial"/>
             </a:endParaRPr>
           </a:p>
           <a:p>
@@ -29008,7 +28111,7 @@
                   <a:srgbClr val="ffffff"/>
                 </a:solidFill>
               </a:uFill>
-              <a:latin typeface="文泉驛微米黑"/>
+              <a:latin typeface="Arial"/>
             </a:endParaRPr>
           </a:p>
           <a:p>
@@ -29061,22 +28164,40 @@
                   <a:srgbClr val="ffffff"/>
                 </a:solidFill>
               </a:uFill>
-              <a:latin typeface="文泉驛微米黑"/>
-            </a:endParaRPr>
-          </a:p>
-          <a:p>
-            <a:pPr lvl="1" marL="914400" indent="-355320">
-              <a:lnSpc>
-                <a:spcPct val="115000"/>
-              </a:lnSpc>
-              <a:buClr>
-                <a:srgbClr val="434343"/>
-              </a:buClr>
-              <a:buFont typeface="Calibri"/>
-              <a:buChar char="-"/>
-            </a:pPr>
-            <a:r>
-              <a:rPr b="1" lang="en-US" sz="2400" spc="-1" strike="noStrike">
+              <a:latin typeface="Arial"/>
+            </a:endParaRPr>
+          </a:p>
+        </p:txBody>
+      </p:sp>
+      <p:sp>
+        <p:nvSpPr>
+          <p:cNvPr id="368" name="TextShape 3"/>
+          <p:cNvSpPr txBox="1"/>
+          <p:nvPr/>
+        </p:nvSpPr>
+        <p:spPr>
+          <a:xfrm>
+            <a:off x="1800000" y="5978520"/>
+            <a:ext cx="5393160" cy="357480"/>
+          </a:xfrm>
+          <a:prstGeom prst="rect">
+            <a:avLst/>
+          </a:prstGeom>
+          <a:noFill/>
+          <a:ln>
+            <a:noFill/>
+          </a:ln>
+        </p:spPr>
+        <p:txBody>
+          <a:bodyPr lIns="90000" rIns="90000" tIns="45000" bIns="45000"/>
+          <a:p>
+            <a:pPr>
+              <a:lnSpc>
+                <a:spcPct val="100000"/>
+              </a:lnSpc>
+            </a:pPr>
+            <a:r>
+              <a:rPr b="0" lang="en-US" sz="1800" spc="-1" strike="noStrike">
                 <a:solidFill>
                   <a:srgbClr val="434343"/>
                 </a:solidFill>
@@ -29088,48 +28209,12 @@
                 <a:latin typeface="文泉驛微米黑"/>
                 <a:ea typeface="Calibri"/>
               </a:rPr>
-              <a:t> </a:t>
-            </a:r>
-            <a:endParaRPr b="0" lang="en-US" sz="1400" spc="-1" strike="noStrike">
-              <a:solidFill>
-                <a:srgbClr val="000000"/>
-              </a:solidFill>
-              <a:uFill>
-                <a:solidFill>
-                  <a:srgbClr val="ffffff"/>
-                </a:solidFill>
-              </a:uFill>
-              <a:latin typeface="文泉驛微米黑"/>
-            </a:endParaRPr>
-          </a:p>
-          <a:p>
-            <a:pPr lvl="1" marL="864000" indent="-324000">
-              <a:buClr>
-                <a:srgbClr val="000000"/>
-              </a:buClr>
-              <a:buSzPct val="75000"/>
-              <a:buFont typeface="Symbol" charset="2"/>
-              <a:buChar char=""/>
-            </a:pPr>
-            <a:r>
-              <a:rPr b="0" lang="en-US" sz="1800" spc="-1" strike="noStrike">
-                <a:solidFill>
-                  <a:srgbClr val="434343"/>
-                </a:solidFill>
-                <a:uFill>
-                  <a:solidFill>
-                    <a:srgbClr val="ffffff"/>
-                  </a:solidFill>
-                </a:uFill>
-                <a:latin typeface="文泉驛微米黑"/>
-                <a:ea typeface="Calibri"/>
-              </a:rPr>
               <a:t>Lambda_calculus ( </a:t>
             </a:r>
             <a:r>
-              <a:rPr b="0" lang="en-US" sz="1800" spc="-1" strike="noStrike">
-                <a:solidFill>
-                  <a:srgbClr val="434343"/>
+              <a:rPr b="0" lang="en-US" sz="1800" spc="-1" strike="noStrike" u="sng">
+                <a:solidFill>
+                  <a:srgbClr val="0000ff"/>
                 </a:solidFill>
                 <a:uFill>
                   <a:solidFill>
@@ -29158,9 +28243,9 @@
               <a:t>/ </a:t>
             </a:r>
             <a:r>
-              <a:rPr b="0" lang="en-US" sz="1800" spc="-1" strike="noStrike">
-                <a:solidFill>
-                  <a:srgbClr val="434343"/>
+              <a:rPr b="0" lang="en-US" sz="1800" spc="-1" strike="noStrike" u="sng">
+                <a:solidFill>
+                  <a:srgbClr val="0000ff"/>
                 </a:solidFill>
                 <a:uFill>
                   <a:solidFill>
@@ -29188,7 +28273,7 @@
               </a:rPr>
               <a:t> )</a:t>
             </a:r>
-            <a:endParaRPr b="0" lang="en-US" sz="1400" spc="-1" strike="noStrike">
+            <a:endParaRPr b="0" lang="en-US" sz="1800" spc="-1" strike="noStrike">
               <a:solidFill>
                 <a:srgbClr val="000000"/>
               </a:solidFill>
@@ -29204,33 +28289,6 @@
       </p:sp>
     </p:spTree>
   </p:cSld>
-  <p:timing>
-    <p:tnLst>
-      <p:par>
-        <p:cTn id="73" dur="indefinite" restart="never" nodeType="tmRoot">
-          <p:childTnLst>
-            <p:seq>
-              <p:cTn id="74" nodeType="mainSeq"/>
-              <p:prevCondLst>
-                <p:cond delay="0" evt="onPrev">
-                  <p:tgtEl>
-                    <p:sldTgt/>
-                  </p:tgtEl>
-                </p:cond>
-              </p:prevCondLst>
-              <p:nextCondLst>
-                <p:cond delay="0" evt="onNext">
-                  <p:tgtEl>
-                    <p:sldTgt/>
-                  </p:tgtEl>
-                </p:cond>
-              </p:nextCondLst>
-            </p:seq>
-          </p:childTnLst>
-        </p:cTn>
-      </p:par>
-    </p:tnLst>
-  </p:timing>
 </p:sld>
 </file>
 
@@ -29253,7 +28311,7 @@
       </p:grpSpPr>
       <p:sp>
         <p:nvSpPr>
-          <p:cNvPr id="368" name="TextShape 1"/>
+          <p:cNvPr id="369" name="TextShape 1"/>
           <p:cNvSpPr txBox="1"/>
           <p:nvPr/>
         </p:nvSpPr>
@@ -29302,14 +28360,14 @@
                   <a:srgbClr val="ffffff"/>
                 </a:solidFill>
               </a:uFill>
-              <a:latin typeface="文泉驛微米黑"/>
+              <a:latin typeface="Arial"/>
             </a:endParaRPr>
           </a:p>
         </p:txBody>
       </p:sp>
       <p:sp>
         <p:nvSpPr>
-          <p:cNvPr id="369" name="TextShape 2"/>
+          <p:cNvPr id="370" name="TextShape 2"/>
           <p:cNvSpPr txBox="1"/>
           <p:nvPr/>
         </p:nvSpPr>
@@ -29358,7 +28416,7 @@
                   <a:srgbClr val="ffffff"/>
                 </a:solidFill>
               </a:uFill>
-              <a:latin typeface="文泉驛微米黑"/>
+              <a:latin typeface="Arial"/>
             </a:endParaRPr>
           </a:p>
           <a:p>
@@ -29376,7 +28434,7 @@
                   <a:srgbClr val="ffffff"/>
                 </a:solidFill>
               </a:uFill>
-              <a:latin typeface="文泉驛微米黑"/>
+              <a:latin typeface="Arial"/>
             </a:endParaRPr>
           </a:p>
           <a:p>
@@ -29439,7 +28497,7 @@
                   <a:srgbClr val="ffffff"/>
                 </a:solidFill>
               </a:uFill>
-              <a:latin typeface="文泉驛微米黑"/>
+              <a:latin typeface="Arial"/>
             </a:endParaRPr>
           </a:p>
           <a:p>
@@ -29472,7 +28530,7 @@
                   <a:srgbClr val="ffffff"/>
                 </a:solidFill>
               </a:uFill>
-              <a:latin typeface="文泉驛微米黑"/>
+              <a:latin typeface="Arial"/>
             </a:endParaRPr>
           </a:p>
           <a:p>
@@ -29490,7 +28548,7 @@
                   <a:srgbClr val="ffffff"/>
                 </a:solidFill>
               </a:uFill>
-              <a:latin typeface="文泉驛微米黑"/>
+              <a:latin typeface="Arial"/>
             </a:endParaRPr>
           </a:p>
           <a:p>
@@ -29553,7 +28611,7 @@
                   <a:srgbClr val="ffffff"/>
                 </a:solidFill>
               </a:uFill>
-              <a:latin typeface="文泉驛微米黑"/>
+              <a:latin typeface="Arial"/>
             </a:endParaRPr>
           </a:p>
           <a:p>
@@ -29586,7 +28644,7 @@
                   <a:srgbClr val="ffffff"/>
                 </a:solidFill>
               </a:uFill>
-              <a:latin typeface="文泉驛微米黑"/>
+              <a:latin typeface="Arial"/>
             </a:endParaRPr>
           </a:p>
           <a:p>
@@ -29604,7 +28662,7 @@
                   <a:srgbClr val="ffffff"/>
                 </a:solidFill>
               </a:uFill>
-              <a:latin typeface="文泉驛微米黑"/>
+              <a:latin typeface="Arial"/>
             </a:endParaRPr>
           </a:p>
           <a:p>
@@ -29667,7 +28725,7 @@
                   <a:srgbClr val="ffffff"/>
                 </a:solidFill>
               </a:uFill>
-              <a:latin typeface="文泉驛微米黑"/>
+              <a:latin typeface="Arial"/>
             </a:endParaRPr>
           </a:p>
           <a:p>
@@ -29700,40 +28758,13 @@
                   <a:srgbClr val="ffffff"/>
                 </a:solidFill>
               </a:uFill>
-              <a:latin typeface="文泉驛微米黑"/>
+              <a:latin typeface="Arial"/>
             </a:endParaRPr>
           </a:p>
         </p:txBody>
       </p:sp>
     </p:spTree>
   </p:cSld>
-  <p:timing>
-    <p:tnLst>
-      <p:par>
-        <p:cTn id="75" dur="indefinite" restart="never" nodeType="tmRoot">
-          <p:childTnLst>
-            <p:seq>
-              <p:cTn id="76" nodeType="mainSeq"/>
-              <p:prevCondLst>
-                <p:cond delay="0" evt="onPrev">
-                  <p:tgtEl>
-                    <p:sldTgt/>
-                  </p:tgtEl>
-                </p:cond>
-              </p:prevCondLst>
-              <p:nextCondLst>
-                <p:cond delay="0" evt="onNext">
-                  <p:tgtEl>
-                    <p:sldTgt/>
-                  </p:tgtEl>
-                </p:cond>
-              </p:nextCondLst>
-            </p:seq>
-          </p:childTnLst>
-        </p:cTn>
-      </p:par>
-    </p:tnLst>
-  </p:timing>
 </p:sld>
 </file>
 
@@ -30548,33 +29579,6 @@
       </p:sp>
     </p:spTree>
   </p:cSld>
-  <p:timing>
-    <p:tnLst>
-      <p:par>
-        <p:cTn id="9" dur="indefinite" restart="never" nodeType="tmRoot">
-          <p:childTnLst>
-            <p:seq>
-              <p:cTn id="10" nodeType="mainSeq"/>
-              <p:prevCondLst>
-                <p:cond delay="0" evt="onPrev">
-                  <p:tgtEl>
-                    <p:sldTgt/>
-                  </p:tgtEl>
-                </p:cond>
-              </p:prevCondLst>
-              <p:nextCondLst>
-                <p:cond delay="0" evt="onNext">
-                  <p:tgtEl>
-                    <p:sldTgt/>
-                  </p:tgtEl>
-                </p:cond>
-              </p:nextCondLst>
-            </p:seq>
-          </p:childTnLst>
-        </p:cTn>
-      </p:par>
-    </p:tnLst>
-  </p:timing>
 </p:sld>
 </file>
 
@@ -30597,7 +29601,7 @@
       </p:grpSpPr>
       <p:sp>
         <p:nvSpPr>
-          <p:cNvPr id="370" name="TextShape 1"/>
+          <p:cNvPr id="371" name="TextShape 1"/>
           <p:cNvSpPr txBox="1"/>
           <p:nvPr/>
         </p:nvSpPr>
@@ -30646,14 +29650,14 @@
                   <a:srgbClr val="ffffff"/>
                 </a:solidFill>
               </a:uFill>
-              <a:latin typeface="文泉驛微米黑"/>
+              <a:latin typeface="Arial"/>
             </a:endParaRPr>
           </a:p>
         </p:txBody>
       </p:sp>
       <p:sp>
         <p:nvSpPr>
-          <p:cNvPr id="371" name="TextShape 2"/>
+          <p:cNvPr id="372" name="TextShape 2"/>
           <p:cNvSpPr txBox="1"/>
           <p:nvPr/>
         </p:nvSpPr>
@@ -30688,10 +29692,25 @@
                     <a:srgbClr val="ffffff"/>
                   </a:solidFill>
                 </a:uFill>
-                <a:latin typeface="文泉驛微米黑"/>
+                <a:latin typeface="Consolas"/>
                 <a:ea typeface="Consolas"/>
               </a:rPr>
-              <a:t>function myFunction(</a:t>
+              <a:t>f</a:t>
+            </a:r>
+            <a:r>
+              <a:rPr b="0" lang="en-US" sz="1800" spc="-1" strike="noStrike">
+                <a:solidFill>
+                  <a:srgbClr val="434343"/>
+                </a:solidFill>
+                <a:uFill>
+                  <a:solidFill>
+                    <a:srgbClr val="ffffff"/>
+                  </a:solidFill>
+                </a:uFill>
+                <a:latin typeface="文泉驛微米黑"/>
+                <a:ea typeface="Consolas"/>
+              </a:rPr>
+              <a:t>unction myFunction(</a:t>
             </a:r>
             <a:r>
               <a:rPr b="1" i="1" lang="en-US" sz="1800" spc="-1" strike="noStrike">
@@ -30732,7 +29751,7 @@
                   <a:srgbClr val="ffffff"/>
                 </a:solidFill>
               </a:uFill>
-              <a:latin typeface="文泉驛微米黑"/>
+              <a:latin typeface="Arial"/>
             </a:endParaRPr>
           </a:p>
           <a:p>
@@ -30765,7 +29784,7 @@
                   <a:srgbClr val="ffffff"/>
                 </a:solidFill>
               </a:uFill>
-              <a:latin typeface="文泉驛微米黑"/>
+              <a:latin typeface="Arial"/>
             </a:endParaRPr>
           </a:p>
           <a:p>
@@ -30783,7 +29802,7 @@
                   <a:srgbClr val="ffffff"/>
                 </a:solidFill>
               </a:uFill>
-              <a:latin typeface="文泉驛微米黑"/>
+              <a:latin typeface="Arial"/>
             </a:endParaRPr>
           </a:p>
           <a:p>
@@ -30846,7 +29865,7 @@
                   <a:srgbClr val="ffffff"/>
                 </a:solidFill>
               </a:uFill>
-              <a:latin typeface="文泉驛微米黑"/>
+              <a:latin typeface="Arial"/>
             </a:endParaRPr>
           </a:p>
           <a:p>
@@ -30879,7 +29898,7 @@
                   <a:srgbClr val="ffffff"/>
                 </a:solidFill>
               </a:uFill>
-              <a:latin typeface="文泉驛微米黑"/>
+              <a:latin typeface="Arial"/>
             </a:endParaRPr>
           </a:p>
           <a:p>
@@ -30897,7 +29916,7 @@
                   <a:srgbClr val="ffffff"/>
                 </a:solidFill>
               </a:uFill>
-              <a:latin typeface="文泉驛微米黑"/>
+              <a:latin typeface="Arial"/>
             </a:endParaRPr>
           </a:p>
           <a:p>
@@ -30960,7 +29979,7 @@
                   <a:srgbClr val="ffffff"/>
                 </a:solidFill>
               </a:uFill>
-              <a:latin typeface="文泉驛微米黑"/>
+              <a:latin typeface="Arial"/>
             </a:endParaRPr>
           </a:p>
           <a:p>
@@ -30993,7 +30012,7 @@
                   <a:srgbClr val="ffffff"/>
                 </a:solidFill>
               </a:uFill>
-              <a:latin typeface="文泉驛微米黑"/>
+              <a:latin typeface="Arial"/>
             </a:endParaRPr>
           </a:p>
           <a:p>
@@ -31011,7 +30030,7 @@
                   <a:srgbClr val="ffffff"/>
                 </a:solidFill>
               </a:uFill>
-              <a:latin typeface="文泉驛微米黑"/>
+              <a:latin typeface="Arial"/>
             </a:endParaRPr>
           </a:p>
           <a:p>
@@ -31044,7 +30063,7 @@
                   <a:srgbClr val="ffffff"/>
                 </a:solidFill>
               </a:uFill>
-              <a:latin typeface="文泉驛微米黑"/>
+              <a:latin typeface="Arial"/>
             </a:endParaRPr>
           </a:p>
           <a:p>
@@ -31077,40 +30096,13 @@
                   <a:srgbClr val="ffffff"/>
                 </a:solidFill>
               </a:uFill>
-              <a:latin typeface="文泉驛微米黑"/>
+              <a:latin typeface="Arial"/>
             </a:endParaRPr>
           </a:p>
         </p:txBody>
       </p:sp>
     </p:spTree>
   </p:cSld>
-  <p:timing>
-    <p:tnLst>
-      <p:par>
-        <p:cTn id="77" dur="indefinite" restart="never" nodeType="tmRoot">
-          <p:childTnLst>
-            <p:seq>
-              <p:cTn id="78" nodeType="mainSeq"/>
-              <p:prevCondLst>
-                <p:cond delay="0" evt="onPrev">
-                  <p:tgtEl>
-                    <p:sldTgt/>
-                  </p:tgtEl>
-                </p:cond>
-              </p:prevCondLst>
-              <p:nextCondLst>
-                <p:cond delay="0" evt="onNext">
-                  <p:tgtEl>
-                    <p:sldTgt/>
-                  </p:tgtEl>
-                </p:cond>
-              </p:nextCondLst>
-            </p:seq>
-          </p:childTnLst>
-        </p:cTn>
-      </p:par>
-    </p:tnLst>
-  </p:timing>
 </p:sld>
 </file>
 
@@ -31133,7 +30125,7 @@
       </p:grpSpPr>
       <p:sp>
         <p:nvSpPr>
-          <p:cNvPr id="372" name="TextShape 1"/>
+          <p:cNvPr id="373" name="TextShape 1"/>
           <p:cNvSpPr txBox="1"/>
           <p:nvPr/>
         </p:nvSpPr>
@@ -31172,63 +30164,6 @@
                 <a:ea typeface="Montserrat"/>
               </a:rPr>
               <a:t>Simple, contrived example</a:t>
-            </a:r>
-            <a:endParaRPr b="0" lang="en-US" sz="1400" spc="-1" strike="noStrike">
-              <a:solidFill>
-                <a:srgbClr val="000000"/>
-              </a:solidFill>
-              <a:uFill>
-                <a:solidFill>
-                  <a:srgbClr val="ffffff"/>
-                </a:solidFill>
-              </a:uFill>
-              <a:latin typeface="文泉驛微米黑"/>
-            </a:endParaRPr>
-          </a:p>
-        </p:txBody>
-      </p:sp>
-      <p:sp>
-        <p:nvSpPr>
-          <p:cNvPr id="373" name="TextShape 2"/>
-          <p:cNvSpPr txBox="1"/>
-          <p:nvPr/>
-        </p:nvSpPr>
-        <p:spPr>
-          <a:xfrm>
-            <a:off x="782640" y="5976000"/>
-            <a:ext cx="7578360" cy="367920"/>
-          </a:xfrm>
-          <a:prstGeom prst="rect">
-            <a:avLst/>
-          </a:prstGeom>
-          <a:noFill/>
-          <a:ln>
-            <a:noFill/>
-          </a:ln>
-        </p:spPr>
-        <p:txBody>
-          <a:bodyPr tIns="91440" bIns="91440"/>
-          <a:p>
-            <a:pPr algn="ctr">
-              <a:lnSpc>
-                <a:spcPct val="115000"/>
-              </a:lnSpc>
-            </a:pPr>
-            <a:r>
-              <a:rPr b="0" lang="en-US" sz="3600" spc="-1" strike="noStrike" u="sng">
-                <a:solidFill>
-                  <a:srgbClr val="0097a7"/>
-                </a:solidFill>
-                <a:uFill>
-                  <a:solidFill>
-                    <a:srgbClr val="ffffff"/>
-                  </a:solidFill>
-                </a:uFill>
-                <a:latin typeface="Calibri"/>
-                <a:ea typeface="Calibri"/>
-                <a:hlinkClick r:id="rId1"/>
-              </a:rPr>
-              <a:t>CodePen</a:t>
             </a:r>
             <a:endParaRPr b="0" lang="en-US" sz="1400" spc="-1" strike="noStrike">
               <a:solidFill>
@@ -31251,7 +30186,7 @@
           <p:nvPr/>
         </p:nvPicPr>
         <p:blipFill>
-          <a:blip r:embed="rId2"/>
+          <a:blip r:embed="rId1"/>
           <a:stretch/>
         </p:blipFill>
         <p:spPr>
@@ -31267,35 +30202,71 @@
           </a:ln>
         </p:spPr>
       </p:pic>
+      <p:sp>
+        <p:nvSpPr>
+          <p:cNvPr id="375" name="CustomShape 2"/>
+          <p:cNvSpPr/>
+          <p:nvPr/>
+        </p:nvSpPr>
+        <p:spPr>
+          <a:xfrm>
+            <a:off x="782640" y="6112440"/>
+            <a:ext cx="7578000" cy="367560"/>
+          </a:xfrm>
+          <a:prstGeom prst="rect">
+            <a:avLst/>
+          </a:prstGeom>
+          <a:noFill/>
+          <a:ln>
+            <a:noFill/>
+          </a:ln>
+        </p:spPr>
+        <p:style>
+          <a:lnRef idx="0"/>
+          <a:fillRef idx="0"/>
+          <a:effectRef idx="0"/>
+          <a:fontRef idx="minor"/>
+        </p:style>
+        <p:txBody>
+          <a:bodyPr lIns="90000" rIns="90000" tIns="91440" bIns="91440"/>
+          <a:p>
+            <a:pPr algn="ctr">
+              <a:lnSpc>
+                <a:spcPct val="115000"/>
+              </a:lnSpc>
+            </a:pPr>
+            <a:r>
+              <a:rPr b="0" lang="en-US" sz="3600" spc="-1" strike="noStrike" u="sng">
+                <a:solidFill>
+                  <a:srgbClr val="0000ff"/>
+                </a:solidFill>
+                <a:uFill>
+                  <a:solidFill>
+                    <a:srgbClr val="ffffff"/>
+                  </a:solidFill>
+                </a:uFill>
+                <a:latin typeface="Calibri"/>
+                <a:ea typeface="Calibri"/>
+                <a:hlinkClick r:id="rId2"/>
+              </a:rPr>
+              <a:t>CodePen</a:t>
+            </a:r>
+            <a:endParaRPr b="0" lang="en-US" sz="1800" spc="-1" strike="noStrike">
+              <a:solidFill>
+                <a:srgbClr val="000000"/>
+              </a:solidFill>
+              <a:uFill>
+                <a:solidFill>
+                  <a:srgbClr val="ffffff"/>
+                </a:solidFill>
+              </a:uFill>
+              <a:latin typeface="Arial"/>
+            </a:endParaRPr>
+          </a:p>
+        </p:txBody>
+      </p:sp>
     </p:spTree>
   </p:cSld>
-  <p:timing>
-    <p:tnLst>
-      <p:par>
-        <p:cTn id="79" dur="indefinite" restart="never" nodeType="tmRoot">
-          <p:childTnLst>
-            <p:seq>
-              <p:cTn id="80" nodeType="mainSeq"/>
-              <p:prevCondLst>
-                <p:cond delay="0" evt="onPrev">
-                  <p:tgtEl>
-                    <p:sldTgt/>
-                  </p:tgtEl>
-                </p:cond>
-              </p:prevCondLst>
-              <p:nextCondLst>
-                <p:cond delay="0" evt="onNext">
-                  <p:tgtEl>
-                    <p:sldTgt/>
-                  </p:tgtEl>
-                </p:cond>
-              </p:nextCondLst>
-            </p:seq>
-          </p:childTnLst>
-        </p:cTn>
-      </p:par>
-    </p:tnLst>
-  </p:timing>
 </p:sld>
 </file>
 
@@ -31318,7 +30289,7 @@
       </p:grpSpPr>
       <p:sp>
         <p:nvSpPr>
-          <p:cNvPr id="375" name="TextShape 1"/>
+          <p:cNvPr id="376" name="TextShape 1"/>
           <p:cNvSpPr txBox="1"/>
           <p:nvPr/>
         </p:nvSpPr>
@@ -31367,14 +30338,14 @@
                   <a:srgbClr val="ffffff"/>
                 </a:solidFill>
               </a:uFill>
-              <a:latin typeface="文泉驛微米黑"/>
+              <a:latin typeface="Arial"/>
             </a:endParaRPr>
           </a:p>
         </p:txBody>
       </p:sp>
       <p:sp>
         <p:nvSpPr>
-          <p:cNvPr id="376" name="TextShape 2"/>
+          <p:cNvPr id="377" name="TextShape 2"/>
           <p:cNvSpPr txBox="1"/>
           <p:nvPr/>
         </p:nvSpPr>
@@ -31532,33 +30503,6 @@
       </p:sp>
     </p:spTree>
   </p:cSld>
-  <p:timing>
-    <p:tnLst>
-      <p:par>
-        <p:cTn id="81" dur="indefinite" restart="never" nodeType="tmRoot">
-          <p:childTnLst>
-            <p:seq>
-              <p:cTn id="82" nodeType="mainSeq"/>
-              <p:prevCondLst>
-                <p:cond delay="0" evt="onPrev">
-                  <p:tgtEl>
-                    <p:sldTgt/>
-                  </p:tgtEl>
-                </p:cond>
-              </p:prevCondLst>
-              <p:nextCondLst>
-                <p:cond delay="0" evt="onNext">
-                  <p:tgtEl>
-                    <p:sldTgt/>
-                  </p:tgtEl>
-                </p:cond>
-              </p:nextCondLst>
-            </p:seq>
-          </p:childTnLst>
-        </p:cTn>
-      </p:par>
-    </p:tnLst>
-  </p:timing>
 </p:sld>
 </file>
 
@@ -31581,7 +30525,7 @@
       </p:grpSpPr>
       <p:sp>
         <p:nvSpPr>
-          <p:cNvPr id="377" name="TextShape 1"/>
+          <p:cNvPr id="378" name="TextShape 1"/>
           <p:cNvSpPr txBox="1"/>
           <p:nvPr/>
         </p:nvSpPr>
@@ -31630,14 +30574,14 @@
                   <a:srgbClr val="ffffff"/>
                 </a:solidFill>
               </a:uFill>
-              <a:latin typeface="文泉驛微米黑"/>
+              <a:latin typeface="Arial"/>
             </a:endParaRPr>
           </a:p>
         </p:txBody>
       </p:sp>
       <p:sp>
         <p:nvSpPr>
-          <p:cNvPr id="378" name="TextShape 2"/>
+          <p:cNvPr id="379" name="TextShape 2"/>
           <p:cNvSpPr txBox="1"/>
           <p:nvPr/>
         </p:nvSpPr>
@@ -31657,11 +30601,6 @@
         <p:txBody>
           <a:bodyPr tIns="91440" bIns="91440"/>
           <a:p>
-            <a:pPr>
-              <a:lnSpc>
-                <a:spcPct val="115000"/>
-              </a:lnSpc>
-            </a:pPr>
             <a:r>
               <a:rPr b="0" lang="en-US" sz="2400" spc="-1" strike="noStrike">
                 <a:solidFill>
@@ -31770,7 +30709,7 @@
             <a:r>
               <a:rPr b="0" lang="en-US" sz="2400" spc="-1" strike="noStrike" u="sng">
                 <a:solidFill>
-                  <a:srgbClr val="0097a7"/>
+                  <a:srgbClr val="0000ff"/>
                 </a:solidFill>
                 <a:uFill>
                   <a:solidFill>
@@ -31814,7 +30753,7 @@
       </p:sp>
       <p:sp>
         <p:nvSpPr>
-          <p:cNvPr id="379" name="CustomShape 3"/>
+          <p:cNvPr id="380" name="CustomShape 3"/>
           <p:cNvSpPr/>
           <p:nvPr/>
         </p:nvSpPr>
@@ -31862,7 +30801,7 @@
                     <a:srgbClr val="ffffff"/>
                   </a:solidFill>
                 </a:uFill>
-                <a:latin typeface="Consolas"/>
+                <a:latin typeface="文泉驛微米黑"/>
                 <a:ea typeface="Consolas"/>
               </a:rPr>
               <a:t>App</a:t>
@@ -31883,7 +30822,7 @@
       </p:sp>
       <p:sp>
         <p:nvSpPr>
-          <p:cNvPr id="380" name="CustomShape 4"/>
+          <p:cNvPr id="381" name="CustomShape 4"/>
           <p:cNvSpPr/>
           <p:nvPr/>
         </p:nvSpPr>
@@ -31952,7 +30891,7 @@
       </p:sp>
       <p:sp>
         <p:nvSpPr>
-          <p:cNvPr id="381" name="CustomShape 5"/>
+          <p:cNvPr id="382" name="CustomShape 5"/>
           <p:cNvSpPr/>
           <p:nvPr/>
         </p:nvSpPr>
@@ -31995,7 +30934,7 @@
       </p:sp>
       <p:sp>
         <p:nvSpPr>
-          <p:cNvPr id="382" name="CustomShape 6"/>
+          <p:cNvPr id="383" name="CustomShape 6"/>
           <p:cNvSpPr/>
           <p:nvPr/>
         </p:nvSpPr>
@@ -32064,7 +31003,7 @@
       </p:sp>
       <p:sp>
         <p:nvSpPr>
-          <p:cNvPr id="383" name="CustomShape 7"/>
+          <p:cNvPr id="384" name="CustomShape 7"/>
           <p:cNvSpPr/>
           <p:nvPr/>
         </p:nvSpPr>
@@ -32133,7 +31072,7 @@
       </p:sp>
       <p:sp>
         <p:nvSpPr>
-          <p:cNvPr id="384" name="CustomShape 8"/>
+          <p:cNvPr id="385" name="CustomShape 8"/>
           <p:cNvSpPr/>
           <p:nvPr/>
         </p:nvSpPr>
@@ -32202,7 +31141,7 @@
       </p:sp>
       <p:sp>
         <p:nvSpPr>
-          <p:cNvPr id="385" name="CustomShape 9"/>
+          <p:cNvPr id="386" name="CustomShape 9"/>
           <p:cNvSpPr/>
           <p:nvPr/>
         </p:nvSpPr>
@@ -32250,7 +31189,7 @@
                     <a:srgbClr val="ffffff"/>
                   </a:solidFill>
                 </a:uFill>
-                <a:latin typeface="Consolas"/>
+                <a:latin typeface="文泉驛微米黑"/>
                 <a:ea typeface="Consolas"/>
               </a:rPr>
               <a:t>Present</a:t>
@@ -32271,7 +31210,7 @@
       </p:sp>
       <p:sp>
         <p:nvSpPr>
-          <p:cNvPr id="386" name="CustomShape 10"/>
+          <p:cNvPr id="387" name="CustomShape 10"/>
           <p:cNvSpPr/>
           <p:nvPr/>
         </p:nvSpPr>
@@ -32312,7 +31251,7 @@
                     <a:srgbClr val="ffffff"/>
                   </a:solidFill>
                 </a:uFill>
-                <a:latin typeface="Calibri"/>
+                <a:latin typeface="文泉驛微米黑"/>
                 <a:ea typeface="Calibri"/>
               </a:rPr>
               <a:t>Has a list of </a:t>
@@ -32327,7 +31266,7 @@
                     <a:srgbClr val="ffffff"/>
                   </a:solidFill>
                 </a:uFill>
-                <a:latin typeface="Consolas"/>
+                <a:latin typeface="文泉驛微米黑"/>
                 <a:ea typeface="Consolas"/>
               </a:rPr>
               <a:t>Presents</a:t>
@@ -32348,7 +31287,7 @@
       </p:sp>
       <p:sp>
         <p:nvSpPr>
-          <p:cNvPr id="387" name="CustomShape 11"/>
+          <p:cNvPr id="388" name="CustomShape 11"/>
           <p:cNvSpPr/>
           <p:nvPr/>
         </p:nvSpPr>
@@ -32463,7 +31402,7 @@
                   <a:srgbClr val="ffffff"/>
                 </a:solidFill>
               </a:uFill>
-              <a:latin typeface="文泉驛微米黑"/>
+              <a:latin typeface="Arial"/>
             </a:endParaRPr>
           </a:p>
           <a:p>
@@ -32496,14 +31435,14 @@
                   <a:srgbClr val="ffffff"/>
                 </a:solidFill>
               </a:uFill>
-              <a:latin typeface="文泉驛微米黑"/>
+              <a:latin typeface="Arial"/>
             </a:endParaRPr>
           </a:p>
         </p:txBody>
       </p:sp>
       <p:sp>
         <p:nvSpPr>
-          <p:cNvPr id="388" name="CustomShape 12"/>
+          <p:cNvPr id="389" name="CustomShape 12"/>
           <p:cNvSpPr/>
           <p:nvPr/>
         </p:nvSpPr>
@@ -32588,7 +31527,7 @@
                   <a:srgbClr val="ffffff"/>
                 </a:solidFill>
               </a:uFill>
-              <a:latin typeface="文泉驛微米黑"/>
+              <a:latin typeface="Arial"/>
             </a:endParaRPr>
           </a:p>
           <a:p>
@@ -32741,40 +31680,13 @@
                   <a:srgbClr val="ffffff"/>
                 </a:solidFill>
               </a:uFill>
-              <a:latin typeface="文泉驛微米黑"/>
+              <a:latin typeface="Arial"/>
             </a:endParaRPr>
           </a:p>
         </p:txBody>
       </p:sp>
     </p:spTree>
   </p:cSld>
-  <p:timing>
-    <p:tnLst>
-      <p:par>
-        <p:cTn id="83" dur="indefinite" restart="never" nodeType="tmRoot">
-          <p:childTnLst>
-            <p:seq>
-              <p:cTn id="84" nodeType="mainSeq"/>
-              <p:prevCondLst>
-                <p:cond delay="0" evt="onPrev">
-                  <p:tgtEl>
-                    <p:sldTgt/>
-                  </p:tgtEl>
-                </p:cond>
-              </p:prevCondLst>
-              <p:nextCondLst>
-                <p:cond delay="0" evt="onNext">
-                  <p:tgtEl>
-                    <p:sldTgt/>
-                  </p:tgtEl>
-                </p:cond>
-              </p:nextCondLst>
-            </p:seq>
-          </p:childTnLst>
-        </p:cTn>
-      </p:par>
-    </p:tnLst>
-  </p:timing>
 </p:sld>
 </file>
 
@@ -32797,7 +31709,7 @@
       </p:grpSpPr>
       <p:sp>
         <p:nvSpPr>
-          <p:cNvPr id="389" name="TextShape 1"/>
+          <p:cNvPr id="390" name="TextShape 1"/>
           <p:cNvSpPr txBox="1"/>
           <p:nvPr/>
         </p:nvSpPr>
@@ -32832,7 +31744,7 @@
                     <a:srgbClr val="ffffff"/>
                   </a:solidFill>
                 </a:uFill>
-                <a:latin typeface="文泉驛微米黑"/>
+                <a:latin typeface="Montserrat"/>
                 <a:ea typeface="Montserrat"/>
               </a:rPr>
               <a:t>Object-oriented photo album</a:t>
@@ -32846,14 +31758,14 @@
                   <a:srgbClr val="ffffff"/>
                 </a:solidFill>
               </a:uFill>
-              <a:latin typeface="文泉驛微米黑"/>
+              <a:latin typeface="Arial"/>
             </a:endParaRPr>
           </a:p>
         </p:txBody>
       </p:sp>
       <p:sp>
         <p:nvSpPr>
-          <p:cNvPr id="390" name="TextShape 2"/>
+          <p:cNvPr id="391" name="TextShape 2"/>
           <p:cNvSpPr txBox="1"/>
           <p:nvPr/>
         </p:nvSpPr>
@@ -32891,22 +31803,7 @@
                 <a:latin typeface="文泉驛微米黑"/>
                 <a:ea typeface="Calibri"/>
               </a:rPr>
-              <a:t>Let's look at an object-oriented version of the photo </a:t>
-            </a:r>
-            <a:r>
-              <a:rPr b="0" lang="en-US" sz="2400" spc="-1" strike="noStrike">
-                <a:solidFill>
-                  <a:srgbClr val="434343"/>
-                </a:solidFill>
-                <a:uFill>
-                  <a:solidFill>
-                    <a:srgbClr val="ffffff"/>
-                  </a:solidFill>
-                </a:uFill>
-                <a:latin typeface="文泉驛微米黑"/>
-                <a:ea typeface="Calibri"/>
-              </a:rPr>
-              <a:t>album: </a:t>
+              <a:t>Let's look at an object-oriented version of the photo album: </a:t>
             </a:r>
             <a:r>
               <a:rPr b="0" lang="en-US" sz="2400" spc="-1" strike="noStrike" u="sng">
@@ -32922,38 +31819,7 @@
                 <a:ea typeface="Calibri"/>
                 <a:hlinkClick r:id="rId1"/>
               </a:rPr>
-              <a:t>CodePen</a:t>
-            </a:r>
-            <a:r>
-              <a:rPr b="0" lang="en-US" sz="2400" spc="-1" strike="noStrike">
-                <a:solidFill>
-                  <a:srgbClr val="434343"/>
-                </a:solidFill>
-                <a:uFill>
-                  <a:solidFill>
-                    <a:srgbClr val="ffffff"/>
-                  </a:solidFill>
-                </a:uFill>
-                <a:latin typeface="文泉驛微米黑"/>
-                <a:ea typeface="Calibri"/>
-              </a:rPr>
-              <a:t> / </a:t>
-            </a:r>
-            <a:r>
-              <a:rPr b="0" lang="en-US" sz="2400" spc="-1" strike="noStrike" u="sng">
-                <a:solidFill>
-                  <a:srgbClr val="0097a7"/>
-                </a:solidFill>
-                <a:uFill>
-                  <a:solidFill>
-                    <a:srgbClr val="ffffff"/>
-                  </a:solidFill>
-                </a:uFill>
-                <a:latin typeface="文泉驛微米黑"/>
-                <a:ea typeface="Calibri"/>
-                <a:hlinkClick r:id="rId2"/>
-              </a:rPr>
-              <a:t>Debug</a:t>
+              <a:t>Live</a:t>
             </a:r>
             <a:endParaRPr b="0" lang="en-US" sz="1400" spc="-1" strike="noStrike">
               <a:solidFill>
@@ -32971,7 +31837,7 @@
       </p:sp>
       <p:sp>
         <p:nvSpPr>
-          <p:cNvPr id="391" name="CustomShape 3"/>
+          <p:cNvPr id="392" name="CustomShape 3"/>
           <p:cNvSpPr/>
           <p:nvPr/>
         </p:nvSpPr>
@@ -33033,14 +31899,14 @@
                   <a:srgbClr val="ffffff"/>
                 </a:solidFill>
               </a:uFill>
-              <a:latin typeface="文泉驛微米黑"/>
+              <a:latin typeface="Arial"/>
             </a:endParaRPr>
           </a:p>
         </p:txBody>
       </p:sp>
       <p:sp>
         <p:nvSpPr>
-          <p:cNvPr id="392" name="CustomShape 4"/>
+          <p:cNvPr id="393" name="CustomShape 4"/>
           <p:cNvSpPr/>
           <p:nvPr/>
         </p:nvSpPr>
@@ -33102,14 +31968,14 @@
                   <a:srgbClr val="ffffff"/>
                 </a:solidFill>
               </a:uFill>
-              <a:latin typeface="文泉驛微米黑"/>
+              <a:latin typeface="Arial"/>
             </a:endParaRPr>
           </a:p>
         </p:txBody>
       </p:sp>
       <p:sp>
         <p:nvSpPr>
-          <p:cNvPr id="393" name="CustomShape 5"/>
+          <p:cNvPr id="394" name="CustomShape 5"/>
           <p:cNvSpPr/>
           <p:nvPr/>
         </p:nvSpPr>
@@ -33171,14 +32037,14 @@
                   <a:srgbClr val="ffffff"/>
                 </a:solidFill>
               </a:uFill>
-              <a:latin typeface="文泉驛微米黑"/>
+              <a:latin typeface="Arial"/>
             </a:endParaRPr>
           </a:p>
         </p:txBody>
       </p:sp>
       <p:sp>
         <p:nvSpPr>
-          <p:cNvPr id="394" name="CustomShape 6"/>
+          <p:cNvPr id="395" name="CustomShape 6"/>
           <p:cNvSpPr/>
           <p:nvPr/>
         </p:nvSpPr>
@@ -33247,7 +32113,7 @@
       </p:sp>
       <p:sp>
         <p:nvSpPr>
-          <p:cNvPr id="395" name="CustomShape 7"/>
+          <p:cNvPr id="396" name="CustomShape 7"/>
           <p:cNvSpPr/>
           <p:nvPr/>
         </p:nvSpPr>
@@ -33316,7 +32182,7 @@
       </p:sp>
       <p:sp>
         <p:nvSpPr>
-          <p:cNvPr id="396" name="CustomShape 8"/>
+          <p:cNvPr id="397" name="CustomShape 8"/>
           <p:cNvSpPr/>
           <p:nvPr/>
         </p:nvSpPr>
@@ -33385,7 +32251,7 @@
       </p:sp>
       <p:sp>
         <p:nvSpPr>
-          <p:cNvPr id="397" name="CustomShape 9"/>
+          <p:cNvPr id="398" name="CustomShape 9"/>
           <p:cNvSpPr/>
           <p:nvPr/>
         </p:nvSpPr>
@@ -33454,7 +32320,7 @@
       </p:sp>
       <p:sp>
         <p:nvSpPr>
-          <p:cNvPr id="398" name="CustomShape 10"/>
+          <p:cNvPr id="399" name="CustomShape 10"/>
           <p:cNvSpPr/>
           <p:nvPr/>
         </p:nvSpPr>
@@ -33516,14 +32382,14 @@
                   <a:srgbClr val="ffffff"/>
                 </a:solidFill>
               </a:uFill>
-              <a:latin typeface="文泉驛微米黑"/>
+              <a:latin typeface="Arial"/>
             </a:endParaRPr>
           </a:p>
         </p:txBody>
       </p:sp>
       <p:sp>
         <p:nvSpPr>
-          <p:cNvPr id="399" name="CustomShape 11"/>
+          <p:cNvPr id="400" name="CustomShape 11"/>
           <p:cNvSpPr/>
           <p:nvPr/>
         </p:nvSpPr>
@@ -33566,7 +32432,7 @@
       </p:sp>
       <p:sp>
         <p:nvSpPr>
-          <p:cNvPr id="400" name="CustomShape 12"/>
+          <p:cNvPr id="401" name="CustomShape 12"/>
           <p:cNvSpPr/>
           <p:nvPr/>
         </p:nvSpPr>
@@ -33636,14 +32502,14 @@
                   <a:srgbClr val="ffffff"/>
                 </a:solidFill>
               </a:uFill>
-              <a:latin typeface="文泉驛微米黑"/>
+              <a:latin typeface="Arial"/>
             </a:endParaRPr>
           </a:p>
         </p:txBody>
       </p:sp>
       <p:sp>
         <p:nvSpPr>
-          <p:cNvPr id="401" name="CustomShape 13"/>
+          <p:cNvPr id="402" name="CustomShape 13"/>
           <p:cNvSpPr/>
           <p:nvPr/>
         </p:nvSpPr>
@@ -33686,13 +32552,13 @@
       </p:sp>
       <p:sp>
         <p:nvSpPr>
-          <p:cNvPr id="402" name="CustomShape 14"/>
+          <p:cNvPr id="403" name="CustomShape 14"/>
           <p:cNvSpPr/>
           <p:nvPr/>
         </p:nvSpPr>
         <p:spPr>
           <a:xfrm flipH="1">
-            <a:off x="6368400" y="5196960"/>
+            <a:off x="6367680" y="5196960"/>
             <a:ext cx="76680" cy="546480"/>
           </a:xfrm>
           <a:custGeom>
@@ -33729,7 +32595,7 @@
       </p:sp>
       <p:sp>
         <p:nvSpPr>
-          <p:cNvPr id="403" name="CustomShape 15"/>
+          <p:cNvPr id="404" name="CustomShape 15"/>
           <p:cNvSpPr/>
           <p:nvPr/>
         </p:nvSpPr>
@@ -33799,14 +32665,14 @@
                   <a:srgbClr val="ffffff"/>
                 </a:solidFill>
               </a:uFill>
-              <a:latin typeface="文泉驛微米黑"/>
+              <a:latin typeface="Arial"/>
             </a:endParaRPr>
           </a:p>
         </p:txBody>
       </p:sp>
       <p:sp>
         <p:nvSpPr>
-          <p:cNvPr id="404" name="CustomShape 16"/>
+          <p:cNvPr id="405" name="CustomShape 16"/>
           <p:cNvSpPr/>
           <p:nvPr/>
         </p:nvSpPr>
@@ -33876,40 +32742,13 @@
                   <a:srgbClr val="ffffff"/>
                 </a:solidFill>
               </a:uFill>
-              <a:latin typeface="文泉驛微米黑"/>
+              <a:latin typeface="Arial"/>
             </a:endParaRPr>
           </a:p>
         </p:txBody>
       </p:sp>
     </p:spTree>
   </p:cSld>
-  <p:timing>
-    <p:tnLst>
-      <p:par>
-        <p:cTn id="85" dur="indefinite" restart="never" nodeType="tmRoot">
-          <p:childTnLst>
-            <p:seq>
-              <p:cTn id="86" nodeType="mainSeq"/>
-              <p:prevCondLst>
-                <p:cond delay="0" evt="onPrev">
-                  <p:tgtEl>
-                    <p:sldTgt/>
-                  </p:tgtEl>
-                </p:cond>
-              </p:prevCondLst>
-              <p:nextCondLst>
-                <p:cond delay="0" evt="onNext">
-                  <p:tgtEl>
-                    <p:sldTgt/>
-                  </p:tgtEl>
-                </p:cond>
-              </p:nextCondLst>
-            </p:seq>
-          </p:childTnLst>
-        </p:cTn>
-      </p:par>
-    </p:tnLst>
-  </p:timing>
 </p:sld>
 </file>
 
@@ -34739,33 +33578,6 @@
       </p:sp>
     </p:spTree>
   </p:cSld>
-  <p:timing>
-    <p:tnLst>
-      <p:par>
-        <p:cTn id="11" dur="indefinite" restart="never" nodeType="tmRoot">
-          <p:childTnLst>
-            <p:seq>
-              <p:cTn id="12" nodeType="mainSeq"/>
-              <p:prevCondLst>
-                <p:cond delay="0" evt="onPrev">
-                  <p:tgtEl>
-                    <p:sldTgt/>
-                  </p:tgtEl>
-                </p:cond>
-              </p:prevCondLst>
-              <p:nextCondLst>
-                <p:cond delay="0" evt="onNext">
-                  <p:tgtEl>
-                    <p:sldTgt/>
-                  </p:tgtEl>
-                </p:cond>
-              </p:nextCondLst>
-            </p:seq>
-          </p:childTnLst>
-        </p:cTn>
-      </p:par>
-    </p:tnLst>
-  </p:timing>
 </p:sld>
 </file>
 
@@ -35612,33 +34424,6 @@
       </p:sp>
     </p:spTree>
   </p:cSld>
-  <p:timing>
-    <p:tnLst>
-      <p:par>
-        <p:cTn id="13" dur="indefinite" restart="never" nodeType="tmRoot">
-          <p:childTnLst>
-            <p:seq>
-              <p:cTn id="14" nodeType="mainSeq"/>
-              <p:prevCondLst>
-                <p:cond delay="0" evt="onPrev">
-                  <p:tgtEl>
-                    <p:sldTgt/>
-                  </p:tgtEl>
-                </p:cond>
-              </p:prevCondLst>
-              <p:nextCondLst>
-                <p:cond delay="0" evt="onNext">
-                  <p:tgtEl>
-                    <p:sldTgt/>
-                  </p:tgtEl>
-                </p:cond>
-              </p:nextCondLst>
-            </p:seq>
-          </p:childTnLst>
-        </p:cTn>
-      </p:par>
-    </p:tnLst>
-  </p:timing>
 </p:sld>
 </file>
 
@@ -36586,33 +35371,6 @@
       </p:sp>
     </p:spTree>
   </p:cSld>
-  <p:timing>
-    <p:tnLst>
-      <p:par>
-        <p:cTn id="15" dur="indefinite" restart="never" nodeType="tmRoot">
-          <p:childTnLst>
-            <p:seq>
-              <p:cTn id="16" nodeType="mainSeq"/>
-              <p:prevCondLst>
-                <p:cond delay="0" evt="onPrev">
-                  <p:tgtEl>
-                    <p:sldTgt/>
-                  </p:tgtEl>
-                </p:cond>
-              </p:prevCondLst>
-              <p:nextCondLst>
-                <p:cond delay="0" evt="onNext">
-                  <p:tgtEl>
-                    <p:sldTgt/>
-                  </p:tgtEl>
-                </p:cond>
-              </p:nextCondLst>
-            </p:seq>
-          </p:childTnLst>
-        </p:cTn>
-      </p:par>
-    </p:tnLst>
-  </p:timing>
 </p:sld>
 </file>
 
@@ -37298,33 +36056,6 @@
       </p:sp>
     </p:spTree>
   </p:cSld>
-  <p:timing>
-    <p:tnLst>
-      <p:par>
-        <p:cTn id="17" dur="indefinite" restart="never" nodeType="tmRoot">
-          <p:childTnLst>
-            <p:seq>
-              <p:cTn id="18" nodeType="mainSeq"/>
-              <p:prevCondLst>
-                <p:cond delay="0" evt="onPrev">
-                  <p:tgtEl>
-                    <p:sldTgt/>
-                  </p:tgtEl>
-                </p:cond>
-              </p:prevCondLst>
-              <p:nextCondLst>
-                <p:cond delay="0" evt="onNext">
-                  <p:tgtEl>
-                    <p:sldTgt/>
-                  </p:tgtEl>
-                </p:cond>
-              </p:nextCondLst>
-            </p:seq>
-          </p:childTnLst>
-        </p:cTn>
-      </p:par>
-    </p:tnLst>
-  </p:timing>
 </p:sld>
 </file>
 
